--- a/JDBC_PPT/JDBC.pptx
+++ b/JDBC_PPT/JDBC.pptx
@@ -5,15 +5,15 @@
     <p:sldMasterId id="2147483648" r:id="rId1"/>
   </p:sldMasterIdLst>
   <p:notesMasterIdLst>
-    <p:notesMasterId r:id="rId18"/>
+    <p:notesMasterId r:id="rId19"/>
   </p:notesMasterIdLst>
   <p:sldIdLst>
     <p:sldId id="256" r:id="rId2"/>
     <p:sldId id="258" r:id="rId3"/>
     <p:sldId id="257" r:id="rId4"/>
-    <p:sldId id="259" r:id="rId5"/>
+    <p:sldId id="273" r:id="rId5"/>
     <p:sldId id="261" r:id="rId6"/>
-    <p:sldId id="260" r:id="rId7"/>
+    <p:sldId id="274" r:id="rId7"/>
     <p:sldId id="263" r:id="rId8"/>
     <p:sldId id="264" r:id="rId9"/>
     <p:sldId id="265" r:id="rId10"/>
@@ -24,6 +24,7 @@
     <p:sldId id="271" r:id="rId15"/>
     <p:sldId id="270" r:id="rId16"/>
     <p:sldId id="272" r:id="rId17"/>
+    <p:sldId id="275" r:id="rId18"/>
   </p:sldIdLst>
   <p:sldSz cx="12192000" cy="6858000"/>
   <p:notesSz cx="6858000" cy="9144000"/>
@@ -1096,6 +1097,94 @@
 </p:notes>
 </file>
 
+<file path=ppt/notesSlides/notesSlide16.xml><?xml version="1.0" encoding="utf-8"?>
+<p:notes xmlns:a="http://schemas.openxmlformats.org/drawingml/2006/main" xmlns:r="http://schemas.openxmlformats.org/officeDocument/2006/relationships" xmlns:p="http://schemas.openxmlformats.org/presentationml/2006/main">
+  <p:cSld>
+    <p:spTree>
+      <p:nvGrpSpPr>
+        <p:cNvPr id="1" name=""/>
+        <p:cNvGrpSpPr/>
+        <p:nvPr/>
+      </p:nvGrpSpPr>
+      <p:grpSpPr>
+        <a:xfrm>
+          <a:off x="0" y="0"/>
+          <a:ext cx="0" cy="0"/>
+          <a:chOff x="0" y="0"/>
+          <a:chExt cx="0" cy="0"/>
+        </a:xfrm>
+      </p:grpSpPr>
+      <p:sp>
+        <p:nvSpPr>
+          <p:cNvPr id="2" name="Slide Image Placeholder 1"/>
+          <p:cNvSpPr>
+            <a:spLocks noGrp="1" noRot="1" noChangeAspect="1"/>
+          </p:cNvSpPr>
+          <p:nvPr>
+            <p:ph type="sldImg"/>
+          </p:nvPr>
+        </p:nvSpPr>
+        <p:spPr/>
+      </p:sp>
+      <p:sp>
+        <p:nvSpPr>
+          <p:cNvPr id="3" name="Notes Placeholder 2"/>
+          <p:cNvSpPr>
+            <a:spLocks noGrp="1"/>
+          </p:cNvSpPr>
+          <p:nvPr>
+            <p:ph type="body" idx="1"/>
+          </p:nvPr>
+        </p:nvSpPr>
+        <p:spPr/>
+        <p:txBody>
+          <a:bodyPr/>
+          <a:lstStyle/>
+          <a:p>
+            <a:r>
+              <a:rPr lang="en-US" dirty="0"/>
+              <a:t>Omkar</a:t>
+            </a:r>
+            <a:endParaRPr lang="en-IN" dirty="0"/>
+          </a:p>
+        </p:txBody>
+      </p:sp>
+      <p:sp>
+        <p:nvSpPr>
+          <p:cNvPr id="4" name="Slide Number Placeholder 3"/>
+          <p:cNvSpPr>
+            <a:spLocks noGrp="1"/>
+          </p:cNvSpPr>
+          <p:nvPr>
+            <p:ph type="sldNum" sz="quarter" idx="5"/>
+          </p:nvPr>
+        </p:nvSpPr>
+        <p:spPr/>
+        <p:txBody>
+          <a:bodyPr/>
+          <a:lstStyle/>
+          <a:p>
+            <a:fld id="{06B284BB-7475-47A9-A99F-B314FAAC2D1E}" type="slidenum">
+              <a:rPr lang="en-IN" smtClean="0"/>
+              <a:t>17</a:t>
+            </a:fld>
+            <a:endParaRPr lang="en-IN"/>
+          </a:p>
+        </p:txBody>
+      </p:sp>
+    </p:spTree>
+    <p:extLst>
+      <p:ext uri="{BB962C8B-B14F-4D97-AF65-F5344CB8AC3E}">
+        <p14:creationId xmlns:p14="http://schemas.microsoft.com/office/powerpoint/2010/main" val="1152265343"/>
+      </p:ext>
+    </p:extLst>
+  </p:cSld>
+  <p:clrMapOvr>
+    <a:masterClrMapping/>
+  </p:clrMapOvr>
+</p:notes>
+</file>
+
 <file path=ppt/notesSlides/notesSlide2.xml><?xml version="1.0" encoding="utf-8"?>
 <p:notes xmlns:a="http://schemas.openxmlformats.org/drawingml/2006/main" xmlns:r="http://schemas.openxmlformats.org/officeDocument/2006/relationships" xmlns:p="http://schemas.openxmlformats.org/presentationml/2006/main">
   <p:cSld>
@@ -1262,7 +1351,7 @@
     </p:spTree>
     <p:extLst>
       <p:ext uri="{BB962C8B-B14F-4D97-AF65-F5344CB8AC3E}">
-        <p14:creationId xmlns:p14="http://schemas.microsoft.com/office/powerpoint/2010/main" val="1211587868"/>
+        <p14:creationId xmlns:p14="http://schemas.microsoft.com/office/powerpoint/2010/main" val="18324352"/>
       </p:ext>
     </p:extLst>
   </p:cSld>
@@ -1438,7 +1527,7 @@
     </p:spTree>
     <p:extLst>
       <p:ext uri="{BB962C8B-B14F-4D97-AF65-F5344CB8AC3E}">
-        <p14:creationId xmlns:p14="http://schemas.microsoft.com/office/powerpoint/2010/main" val="2971988561"/>
+        <p14:creationId xmlns:p14="http://schemas.microsoft.com/office/powerpoint/2010/main" val="2217316100"/>
       </p:ext>
     </p:extLst>
   </p:cSld>
@@ -5060,6 +5149,21 @@
               <a:rPr lang="en-US" dirty="0"/>
               <a:t>JDBC</a:t>
             </a:r>
+            <a:br>
+              <a:rPr lang="en-US" dirty="0"/>
+            </a:br>
+            <a:r>
+              <a:rPr lang="en-US" sz="4000" dirty="0"/>
+              <a:t>(Java </a:t>
+            </a:r>
+            <a:r>
+              <a:rPr lang="en-US" sz="4000" dirty="0" err="1"/>
+              <a:t>DataBase</a:t>
+            </a:r>
+            <a:r>
+              <a:rPr lang="en-US" sz="4000" dirty="0"/>
+              <a:t> Connection)</a:t>
+            </a:r>
             <a:endParaRPr lang="en-IN" dirty="0"/>
           </a:p>
         </p:txBody>
@@ -5080,12 +5184,31 @@
             <p:ph type="subTitle" idx="1"/>
           </p:nvPr>
         </p:nvSpPr>
-        <p:spPr/>
-        <p:txBody>
-          <a:bodyPr/>
+        <p:spPr>
+          <a:xfrm>
+            <a:off x="2540000" y="5202238"/>
+            <a:ext cx="8592457" cy="533399"/>
+          </a:xfrm>
+        </p:spPr>
+        <p:txBody>
+          <a:bodyPr>
+            <a:noAutofit/>
+          </a:bodyPr>
           <a:lstStyle/>
           <a:p>
-            <a:endParaRPr lang="en-IN" dirty="0"/>
+            <a:pPr algn="r"/>
+            <a:r>
+              <a:rPr lang="en-US" sz="1600" dirty="0"/>
+              <a:t>	Prepared by: </a:t>
+            </a:r>
+          </a:p>
+          <a:p>
+            <a:pPr algn="r"/>
+            <a:r>
+              <a:rPr lang="en-US" sz="1600" dirty="0"/>
+              <a:t>Omkar Dixit and Pratik Panchal</a:t>
+            </a:r>
+            <a:endParaRPr lang="en-IN" sz="1600" dirty="0"/>
           </a:p>
         </p:txBody>
       </p:sp>
@@ -5119,41 +5242,6 @@
           <a:chExt cx="0" cy="0"/>
         </a:xfrm>
       </p:grpSpPr>
-      <p:sp>
-        <p:nvSpPr>
-          <p:cNvPr id="2" name="TextBox 1">
-            <a:extLst>
-              <a:ext uri="{FF2B5EF4-FFF2-40B4-BE49-F238E27FC236}">
-                <a16:creationId xmlns:a16="http://schemas.microsoft.com/office/drawing/2014/main" id="{42688EF6-6496-42CB-951C-24495BA91F72}"/>
-              </a:ext>
-            </a:extLst>
-          </p:cNvPr>
-          <p:cNvSpPr txBox="1"/>
-          <p:nvPr/>
-        </p:nvSpPr>
-        <p:spPr>
-          <a:xfrm>
-            <a:off x="809625" y="523875"/>
-            <a:ext cx="10810875" cy="369332"/>
-          </a:xfrm>
-          <a:prstGeom prst="rect">
-            <a:avLst/>
-          </a:prstGeom>
-          <a:noFill/>
-        </p:spPr>
-        <p:txBody>
-          <a:bodyPr wrap="square" rtlCol="0">
-            <a:spAutoFit/>
-          </a:bodyPr>
-          <a:lstStyle/>
-          <a:p>
-            <a:r>
-              <a:rPr lang="en-US" dirty="0"/>
-              <a:t>Step 6</a:t>
-            </a:r>
-          </a:p>
-        </p:txBody>
-      </p:sp>
       <p:graphicFrame>
         <p:nvGraphicFramePr>
           <p:cNvPr id="4" name="Table 6">
@@ -5169,13 +5257,13 @@
           <p:nvPr>
             <p:extLst>
               <p:ext uri="{D42A27DB-BD31-4B8C-83A1-F6EECF244321}">
-                <p14:modId xmlns:p14="http://schemas.microsoft.com/office/powerpoint/2010/main" val="3970829302"/>
+                <p14:modId xmlns:p14="http://schemas.microsoft.com/office/powerpoint/2010/main" val="1068300686"/>
               </p:ext>
             </p:extLst>
           </p:nvPr>
         </p:nvGraphicFramePr>
         <p:xfrm>
-          <a:off x="7524562" y="1228228"/>
+          <a:off x="7524562" y="1750742"/>
           <a:ext cx="2943453" cy="1109136"/>
         </p:xfrm>
         <a:graphic>
@@ -5423,7 +5511,7 @@
         </p:nvSpPr>
         <p:spPr>
           <a:xfrm>
-            <a:off x="2219325" y="1568751"/>
+            <a:off x="2219325" y="2091265"/>
             <a:ext cx="3524250" cy="369332"/>
           </a:xfrm>
           <a:prstGeom prst="rect">
@@ -5482,7 +5570,7 @@
         </p:nvCxnSpPr>
         <p:spPr>
           <a:xfrm flipV="1">
-            <a:off x="5743575" y="1046029"/>
+            <a:off x="5743575" y="1568543"/>
             <a:ext cx="1156561" cy="707388"/>
           </a:xfrm>
           <a:prstGeom prst="line">
@@ -5528,7 +5616,7 @@
         </p:nvCxnSpPr>
         <p:spPr>
           <a:xfrm>
-            <a:off x="5743575" y="1753417"/>
+            <a:off x="5743575" y="2275931"/>
             <a:ext cx="1156560" cy="675544"/>
           </a:xfrm>
           <a:prstGeom prst="line">
@@ -5579,7 +5667,7 @@
         </p:blipFill>
         <p:spPr>
           <a:xfrm>
-            <a:off x="1046758" y="2759987"/>
+            <a:off x="1046758" y="3089412"/>
             <a:ext cx="7561015" cy="1669053"/>
           </a:xfrm>
           <a:prstGeom prst="rect">
@@ -5601,7 +5689,7 @@
         </p:nvSpPr>
         <p:spPr>
           <a:xfrm>
-            <a:off x="7524561" y="1568751"/>
+            <a:off x="7524561" y="2091265"/>
             <a:ext cx="1083212" cy="369332"/>
           </a:xfrm>
           <a:prstGeom prst="roundRect">
@@ -5653,7 +5741,7 @@
         </p:nvSpPr>
         <p:spPr>
           <a:xfrm>
-            <a:off x="6900135" y="1568751"/>
+            <a:off x="6900135" y="2091265"/>
             <a:ext cx="563781" cy="358359"/>
           </a:xfrm>
           <a:prstGeom prst="rightArrow">
@@ -5707,7 +5795,7 @@
         </p:nvSpPr>
         <p:spPr>
           <a:xfrm>
-            <a:off x="2004241" y="2759987"/>
+            <a:off x="2004241" y="3089412"/>
             <a:ext cx="2201530" cy="369332"/>
           </a:xfrm>
           <a:prstGeom prst="roundRect">
@@ -5759,7 +5847,7 @@
         </p:nvCxnSpPr>
         <p:spPr>
           <a:xfrm>
-            <a:off x="257175" y="4619625"/>
+            <a:off x="414337" y="4970416"/>
             <a:ext cx="11363325" cy="0"/>
           </a:xfrm>
           <a:prstGeom prst="line">
@@ -5797,13 +5885,15 @@
               </a:ext>
             </a:extLst>
           </p:cNvPr>
-          <p:cNvCxnSpPr/>
+          <p:cNvCxnSpPr>
+            <a:cxnSpLocks/>
+          </p:cNvCxnSpPr>
           <p:nvPr/>
         </p:nvCxnSpPr>
         <p:spPr>
           <a:xfrm>
-            <a:off x="5638800" y="4724400"/>
-            <a:ext cx="0" cy="1924050"/>
+            <a:off x="5638800" y="5155082"/>
+            <a:ext cx="0" cy="1493368"/>
           </a:xfrm>
           <a:prstGeom prst="line">
             <a:avLst/>
@@ -5845,7 +5935,7 @@
         </p:nvSpPr>
         <p:spPr>
           <a:xfrm>
-            <a:off x="809625" y="4764574"/>
+            <a:off x="920466" y="5039633"/>
             <a:ext cx="4286248" cy="369332"/>
           </a:xfrm>
           <a:prstGeom prst="rect">
@@ -5897,7 +5987,7 @@
         </p:nvSpPr>
         <p:spPr>
           <a:xfrm>
-            <a:off x="951508" y="5345668"/>
+            <a:off x="1194174" y="5439546"/>
             <a:ext cx="3482107" cy="369332"/>
           </a:xfrm>
           <a:prstGeom prst="rect">
@@ -5957,7 +6047,7 @@
         </p:nvSpPr>
         <p:spPr>
           <a:xfrm>
-            <a:off x="6601320" y="4800772"/>
+            <a:off x="6601320" y="5012729"/>
             <a:ext cx="4286248" cy="369332"/>
           </a:xfrm>
           <a:prstGeom prst="rect">
@@ -6013,7 +6103,7 @@
         </p:nvSpPr>
         <p:spPr>
           <a:xfrm>
-            <a:off x="6096000" y="5233973"/>
+            <a:off x="6096000" y="5401088"/>
             <a:ext cx="5296888" cy="1200329"/>
           </a:xfrm>
           <a:prstGeom prst="rect">
@@ -6153,6 +6243,101 @@
                 <a:srgbClr val="00B0F0"/>
               </a:solidFill>
             </a:endParaRPr>
+          </a:p>
+        </p:txBody>
+      </p:sp>
+      <p:sp>
+        <p:nvSpPr>
+          <p:cNvPr id="18" name="Title 1">
+            <a:extLst>
+              <a:ext uri="{FF2B5EF4-FFF2-40B4-BE49-F238E27FC236}">
+                <a16:creationId xmlns:a16="http://schemas.microsoft.com/office/drawing/2014/main" id="{DD78D4B0-0672-441D-B534-79AB47A50211}"/>
+              </a:ext>
+            </a:extLst>
+          </p:cNvPr>
+          <p:cNvSpPr txBox="1">
+            <a:spLocks/>
+          </p:cNvSpPr>
+          <p:nvPr/>
+        </p:nvSpPr>
+        <p:spPr>
+          <a:xfrm>
+            <a:off x="838200" y="490042"/>
+            <a:ext cx="10515600" cy="892175"/>
+          </a:xfrm>
+          <a:prstGeom prst="rect">
+            <a:avLst/>
+          </a:prstGeom>
+        </p:spPr>
+        <p:txBody>
+          <a:bodyPr/>
+          <a:lstStyle>
+            <a:defPPr>
+              <a:defRPr lang="en-US"/>
+            </a:defPPr>
+            <a:lvl1pPr>
+              <a:lnSpc>
+                <a:spcPct val="90000"/>
+              </a:lnSpc>
+              <a:spcBef>
+                <a:spcPct val="0"/>
+              </a:spcBef>
+              <a:buNone/>
+              <a:defRPr sz="3600">
+                <a:latin typeface="+mj-lt"/>
+                <a:ea typeface="+mj-ea"/>
+                <a:cs typeface="+mj-cs"/>
+              </a:defRPr>
+            </a:lvl1pPr>
+          </a:lstStyle>
+          <a:p>
+            <a:r>
+              <a:rPr lang="en-US" dirty="0"/>
+              <a:t>Step 6: Process the Result</a:t>
+            </a:r>
+            <a:endParaRPr lang="en-IN" dirty="0"/>
+          </a:p>
+        </p:txBody>
+      </p:sp>
+      <p:sp>
+        <p:nvSpPr>
+          <p:cNvPr id="17" name="TextBox 16">
+            <a:extLst>
+              <a:ext uri="{FF2B5EF4-FFF2-40B4-BE49-F238E27FC236}">
+                <a16:creationId xmlns:a16="http://schemas.microsoft.com/office/drawing/2014/main" id="{418A821B-42A0-4233-A9B8-71AD105AF0E4}"/>
+              </a:ext>
+            </a:extLst>
+          </p:cNvPr>
+          <p:cNvSpPr txBox="1"/>
+          <p:nvPr/>
+        </p:nvSpPr>
+        <p:spPr>
+          <a:xfrm>
+            <a:off x="10468015" y="3504093"/>
+            <a:ext cx="1574662" cy="646331"/>
+          </a:xfrm>
+          <a:prstGeom prst="rect">
+            <a:avLst/>
+          </a:prstGeom>
+          <a:noFill/>
+        </p:spPr>
+        <p:txBody>
+          <a:bodyPr wrap="none" rtlCol="0">
+            <a:spAutoFit/>
+          </a:bodyPr>
+          <a:lstStyle/>
+          <a:p>
+            <a:r>
+              <a:rPr lang="en-IN" sz="1800" dirty="0"/>
+              <a:t>Exception: </a:t>
+            </a:r>
+          </a:p>
+          <a:p>
+            <a:r>
+              <a:rPr lang="en-IN" sz="1800" dirty="0"/>
+              <a:t>SQLException0</a:t>
+            </a:r>
+            <a:endParaRPr lang="en-IN" dirty="0"/>
           </a:p>
         </p:txBody>
       </p:sp>
@@ -6264,7 +6449,7 @@
                                     <p:cond delay="0"/>
                                   </p:stCondLst>
                                   <p:childTnLst>
-                                    <p:animMotion origin="layout" path="M 2.5E-6 1.85185E-6 L 0.29349 0.04629 " pathEditMode="relative" rAng="0" ptsTypes="AA">
+                                    <p:animMotion origin="layout" path="M 2.5E-6 -4.81481E-6 L 0.29349 0.0463 " pathEditMode="relative" rAng="0" ptsTypes="AA">
                                       <p:cBhvr>
                                         <p:cTn id="12" dur="500" fill="hold"/>
                                         <p:tgtEl>
@@ -6331,7 +6516,7 @@
                                     <p:cond delay="0"/>
                                   </p:stCondLst>
                                   <p:childTnLst>
-                                    <p:animMotion origin="layout" path="M 0.29349 0.04629 L 0.32239 0.0831 " pathEditMode="relative" rAng="0" ptsTypes="AA">
+                                    <p:animMotion origin="layout" path="M 0.29349 0.0463 L 0.32239 0.08311 " pathEditMode="relative" rAng="0" ptsTypes="AA">
                                       <p:cBhvr>
                                         <p:cTn id="18" dur="500" fill="hold"/>
                                         <p:tgtEl>
@@ -6353,7 +6538,7 @@
                                     <p:cond delay="0"/>
                                   </p:stCondLst>
                                   <p:childTnLst>
-                                    <p:animMotion origin="layout" path="M 1.45833E-6 4.44444E-6 L 0.06888 0.00023 " pathEditMode="relative" rAng="0" ptsTypes="AA">
+                                    <p:animMotion origin="layout" path="M 1.45833E-6 -2.96296E-6 L 0.06888 0.00023 " pathEditMode="relative" rAng="0" ptsTypes="AA">
                                       <p:cBhvr>
                                         <p:cTn id="20" dur="750" fill="hold"/>
                                         <p:tgtEl>
@@ -6455,7 +6640,7 @@
                                     <p:cond delay="0"/>
                                   </p:stCondLst>
                                   <p:childTnLst>
-                                    <p:animMotion origin="layout" path="M 0.3056 0.13727 L 2.5E-6 1.85185E-6 " pathEditMode="relative" rAng="0" ptsTypes="AA">
+                                    <p:animMotion origin="layout" path="M 0.3056 0.13727 L 2.5E-6 -4.81481E-6 " pathEditMode="relative" rAng="0" ptsTypes="AA">
                                       <p:cBhvr>
                                         <p:cTn id="30" dur="500" fill="hold"/>
                                         <p:tgtEl>
@@ -6495,7 +6680,7 @@
                                     <p:cond delay="0"/>
                                   </p:stCondLst>
                                   <p:childTnLst>
-                                    <p:animMotion origin="layout" path="M -2.5E-6 -1.11111E-6 L 0.00157 0.06065 " pathEditMode="relative" rAng="0" ptsTypes="AA">
+                                    <p:animMotion origin="layout" path="M -2.5E-6 1.48148E-6 L 0.00157 0.06065 " pathEditMode="relative" rAng="0" ptsTypes="AA">
                                       <p:cBhvr>
                                         <p:cTn id="34" dur="500" fill="hold"/>
                                         <p:tgtEl>
@@ -6535,7 +6720,7 @@
                                     <p:cond delay="0"/>
                                   </p:stCondLst>
                                   <p:childTnLst>
-                                    <p:animMotion origin="layout" path="M 2.5E-6 1.85185E-6 L 0.29349 0.04629 " pathEditMode="relative" rAng="0" ptsTypes="AA">
+                                    <p:animMotion origin="layout" path="M 2.5E-6 -4.81481E-6 L 0.29349 0.0463 " pathEditMode="relative" rAng="0" ptsTypes="AA">
                                       <p:cBhvr>
                                         <p:cTn id="38" dur="500" fill="hold"/>
                                         <p:tgtEl>
@@ -6557,7 +6742,7 @@
                                     <p:cond delay="0"/>
                                   </p:stCondLst>
                                   <p:childTnLst>
-                                    <p:animMotion origin="layout" path="M 0.15768 0.00023 L 0.00182 0.05416 " pathEditMode="relative" rAng="0" ptsTypes="AA">
+                                    <p:animMotion origin="layout" path="M 0.15768 0.00023 L 0.00182 0.05417 " pathEditMode="relative" rAng="0" ptsTypes="AA">
                                       <p:cBhvr>
                                         <p:cTn id="40" dur="750" fill="hold"/>
                                         <p:tgtEl>
@@ -6597,7 +6782,7 @@
                                     <p:cond delay="0"/>
                                   </p:stCondLst>
                                   <p:childTnLst>
-                                    <p:animMotion origin="layout" path="M 0.29349 0.04629 L 0.32239 0.08727 " pathEditMode="relative" rAng="0" ptsTypes="AA">
+                                    <p:animMotion origin="layout" path="M 0.29349 0.0463 L 0.32239 0.08727 " pathEditMode="relative" rAng="0" ptsTypes="AA">
                                       <p:cBhvr>
                                         <p:cTn id="44" dur="500" fill="hold"/>
                                         <p:tgtEl>
@@ -6619,7 +6804,7 @@
                                     <p:cond delay="0"/>
                                   </p:stCondLst>
                                   <p:childTnLst>
-                                    <p:animMotion origin="layout" path="M 0.00182 0.05417 L 0.07669 0.05555 " pathEditMode="relative" rAng="0" ptsTypes="AA">
+                                    <p:animMotion origin="layout" path="M 0.00182 0.05417 L 0.07669 0.05556 " pathEditMode="relative" rAng="0" ptsTypes="AA">
                                       <p:cBhvr>
                                         <p:cTn id="46" dur="750" fill="hold"/>
                                         <p:tgtEl>
@@ -6630,7 +6815,7 @@
                                           <p:attrName>ppt_y</p:attrName>
                                         </p:attrNameLst>
                                       </p:cBhvr>
-                                      <p:rCtr x="3789" y="-139"/>
+                                      <p:rCtr x="3737" y="69"/>
                                     </p:animMotion>
                                   </p:childTnLst>
                                 </p:cTn>
@@ -6681,7 +6866,7 @@
                                     <p:cond delay="0"/>
                                   </p:stCondLst>
                                   <p:childTnLst>
-                                    <p:animMotion origin="layout" path="M 0.0767 0.05556 L 0.15404 0.05694 " pathEditMode="relative" rAng="0" ptsTypes="AA">
+                                    <p:animMotion origin="layout" path="M 0.07669 0.05556 L 0.15404 0.05695 " pathEditMode="relative" rAng="0" ptsTypes="AA">
                                       <p:cBhvr>
                                         <p:cTn id="52" dur="750" fill="hold"/>
                                         <p:tgtEl>
@@ -6692,7 +6877,7 @@
                                           <p:attrName>ppt_y</p:attrName>
                                         </p:attrNameLst>
                                       </p:cBhvr>
-                                      <p:rCtr x="4062" y="0"/>
+                                      <p:rCtr x="3867" y="69"/>
                                     </p:animMotion>
                                   </p:childTnLst>
                                   <p:subTnLst>
@@ -6737,7 +6922,7 @@
                                     <p:cond delay="0"/>
                                   </p:stCondLst>
                                   <p:childTnLst>
-                                    <p:animMotion origin="layout" path="M 0.3056 0.13727 L 2.5E-6 1.85185E-6 " pathEditMode="relative" rAng="0" ptsTypes="AA">
+                                    <p:animMotion origin="layout" path="M 0.3056 0.13727 L 2.5E-6 -4.81481E-6 " pathEditMode="relative" rAng="0" ptsTypes="AA">
                                       <p:cBhvr>
                                         <p:cTn id="56" dur="500" fill="hold"/>
                                         <p:tgtEl>
@@ -7213,42 +7398,6 @@
           <a:chExt cx="0" cy="0"/>
         </a:xfrm>
       </p:grpSpPr>
-      <p:sp>
-        <p:nvSpPr>
-          <p:cNvPr id="2" name="TextBox 1">
-            <a:extLst>
-              <a:ext uri="{FF2B5EF4-FFF2-40B4-BE49-F238E27FC236}">
-                <a16:creationId xmlns:a16="http://schemas.microsoft.com/office/drawing/2014/main" id="{42688EF6-6496-42CB-951C-24495BA91F72}"/>
-              </a:ext>
-            </a:extLst>
-          </p:cNvPr>
-          <p:cNvSpPr txBox="1"/>
-          <p:nvPr/>
-        </p:nvSpPr>
-        <p:spPr>
-          <a:xfrm>
-            <a:off x="809625" y="523875"/>
-            <a:ext cx="10810875" cy="369332"/>
-          </a:xfrm>
-          <a:prstGeom prst="rect">
-            <a:avLst/>
-          </a:prstGeom>
-          <a:noFill/>
-        </p:spPr>
-        <p:txBody>
-          <a:bodyPr wrap="square" rtlCol="0">
-            <a:spAutoFit/>
-          </a:bodyPr>
-          <a:lstStyle/>
-          <a:p>
-            <a:r>
-              <a:rPr lang="en-US" dirty="0"/>
-              <a:t>Step 7</a:t>
-            </a:r>
-            <a:endParaRPr lang="en-IN" dirty="0"/>
-          </a:p>
-        </p:txBody>
-      </p:sp>
       <p:pic>
         <p:nvPicPr>
           <p:cNvPr id="5" name="Picture 4">
@@ -7271,7 +7420,7 @@
         </p:blipFill>
         <p:spPr>
           <a:xfrm>
-            <a:off x="2291396" y="1055134"/>
+            <a:off x="1233890" y="1382217"/>
             <a:ext cx="7361558" cy="5433531"/>
           </a:xfrm>
           <a:prstGeom prst="rect">
@@ -7293,7 +7442,7 @@
         </p:nvSpPr>
         <p:spPr>
           <a:xfrm>
-            <a:off x="2557462" y="5715000"/>
+            <a:off x="1634486" y="6088558"/>
             <a:ext cx="1385888" cy="272532"/>
           </a:xfrm>
           <a:prstGeom prst="roundRect">
@@ -7328,6 +7477,101 @@
           <a:p>
             <a:pPr algn="ctr"/>
             <a:endParaRPr lang="en-IN"/>
+          </a:p>
+        </p:txBody>
+      </p:sp>
+      <p:sp>
+        <p:nvSpPr>
+          <p:cNvPr id="8" name="Title 1">
+            <a:extLst>
+              <a:ext uri="{FF2B5EF4-FFF2-40B4-BE49-F238E27FC236}">
+                <a16:creationId xmlns:a16="http://schemas.microsoft.com/office/drawing/2014/main" id="{32EB7D07-3020-40B1-9748-7ECC93A7D0C4}"/>
+              </a:ext>
+            </a:extLst>
+          </p:cNvPr>
+          <p:cNvSpPr txBox="1">
+            <a:spLocks/>
+          </p:cNvSpPr>
+          <p:nvPr/>
+        </p:nvSpPr>
+        <p:spPr>
+          <a:xfrm>
+            <a:off x="838200" y="490042"/>
+            <a:ext cx="10515600" cy="892175"/>
+          </a:xfrm>
+          <a:prstGeom prst="rect">
+            <a:avLst/>
+          </a:prstGeom>
+        </p:spPr>
+        <p:txBody>
+          <a:bodyPr/>
+          <a:lstStyle>
+            <a:defPPr>
+              <a:defRPr lang="en-US"/>
+            </a:defPPr>
+            <a:lvl1pPr>
+              <a:lnSpc>
+                <a:spcPct val="90000"/>
+              </a:lnSpc>
+              <a:spcBef>
+                <a:spcPct val="0"/>
+              </a:spcBef>
+              <a:buNone/>
+              <a:defRPr sz="3600">
+                <a:latin typeface="+mj-lt"/>
+                <a:ea typeface="+mj-ea"/>
+                <a:cs typeface="+mj-cs"/>
+              </a:defRPr>
+            </a:lvl1pPr>
+          </a:lstStyle>
+          <a:p>
+            <a:r>
+              <a:rPr lang="en-US" dirty="0"/>
+              <a:t>Step 7:Close the Connection</a:t>
+            </a:r>
+            <a:endParaRPr lang="en-IN" dirty="0"/>
+          </a:p>
+        </p:txBody>
+      </p:sp>
+      <p:sp>
+        <p:nvSpPr>
+          <p:cNvPr id="6" name="TextBox 5">
+            <a:extLst>
+              <a:ext uri="{FF2B5EF4-FFF2-40B4-BE49-F238E27FC236}">
+                <a16:creationId xmlns:a16="http://schemas.microsoft.com/office/drawing/2014/main" id="{F562AA7A-51A2-4984-AEEE-3C2D0107738C}"/>
+              </a:ext>
+            </a:extLst>
+          </p:cNvPr>
+          <p:cNvSpPr txBox="1"/>
+          <p:nvPr/>
+        </p:nvSpPr>
+        <p:spPr>
+          <a:xfrm>
+            <a:off x="9779138" y="2534275"/>
+            <a:ext cx="1574662" cy="646331"/>
+          </a:xfrm>
+          <a:prstGeom prst="rect">
+            <a:avLst/>
+          </a:prstGeom>
+          <a:noFill/>
+        </p:spPr>
+        <p:txBody>
+          <a:bodyPr wrap="none" rtlCol="0">
+            <a:spAutoFit/>
+          </a:bodyPr>
+          <a:lstStyle/>
+          <a:p>
+            <a:r>
+              <a:rPr lang="en-IN" sz="1800" dirty="0"/>
+              <a:t>Exception: </a:t>
+            </a:r>
+          </a:p>
+          <a:p>
+            <a:r>
+              <a:rPr lang="en-IN" sz="1800" dirty="0"/>
+              <a:t>SQLException0</a:t>
+            </a:r>
+            <a:endParaRPr lang="en-IN" dirty="0"/>
           </a:p>
         </p:txBody>
       </p:sp>
@@ -7376,30 +7620,30 @@
           <p:nvPr>
             <p:extLst>
               <p:ext uri="{D42A27DB-BD31-4B8C-83A1-F6EECF244321}">
-                <p14:modId xmlns:p14="http://schemas.microsoft.com/office/powerpoint/2010/main" val="2956621374"/>
+                <p14:modId xmlns:p14="http://schemas.microsoft.com/office/powerpoint/2010/main" val="3615516407"/>
               </p:ext>
             </p:extLst>
           </p:nvPr>
         </p:nvGraphicFramePr>
         <p:xfrm>
-          <a:off x="2032000" y="719666"/>
-          <a:ext cx="7660640" cy="3727645"/>
+          <a:off x="1946421" y="2217821"/>
+          <a:ext cx="8299158" cy="3673025"/>
         </p:xfrm>
         <a:graphic>
           <a:graphicData uri="http://schemas.openxmlformats.org/drawingml/2006/table">
             <a:tbl>
               <a:tblPr firstRow="1" bandRow="1">
-                <a:tableStyleId>{5C22544A-7EE6-4342-B048-85BDC9FD1C3A}</a:tableStyleId>
+                <a:tableStyleId>{F5AB1C69-6EDB-4FF4-983F-18BD219EF322}</a:tableStyleId>
               </a:tblPr>
               <a:tblGrid>
-                <a:gridCol w="3830320">
+                <a:gridCol w="4149579">
                   <a:extLst>
                     <a:ext uri="{9D8B030D-6E8A-4147-A177-3AD203B41FA5}">
                       <a16:colId xmlns:a16="http://schemas.microsoft.com/office/drawing/2014/main" val="518568738"/>
                     </a:ext>
                   </a:extLst>
                 </a:gridCol>
-                <a:gridCol w="3830320">
+                <a:gridCol w="4149579">
                   <a:extLst>
                     <a:ext uri="{9D8B030D-6E8A-4147-A177-3AD203B41FA5}">
                       <a16:colId xmlns:a16="http://schemas.microsoft.com/office/drawing/2014/main" val="3128756212"/>
@@ -7407,7 +7651,7 @@
                   </a:extLst>
                 </a:gridCol>
               </a:tblGrid>
-              <a:tr h="745529">
+              <a:tr h="734605">
                 <a:tc>
                   <a:txBody>
                     <a:bodyPr/>
@@ -7415,13 +7659,34 @@
                     <a:p>
                       <a:pPr algn="ctr"/>
                       <a:r>
-                        <a:rPr lang="en-US" dirty="0"/>
+                        <a:rPr lang="en-US" sz="2800" dirty="0"/>
                         <a:t>Statement</a:t>
                       </a:r>
-                      <a:endParaRPr lang="en-IN" dirty="0"/>
+                      <a:endParaRPr lang="en-IN" sz="2800" dirty="0"/>
                     </a:p>
                   </a:txBody>
-                  <a:tcPr/>
+                  <a:tcPr anchor="ctr">
+                    <a:lnL w="12700" cmpd="sng">
+                      <a:noFill/>
+                    </a:lnL>
+                    <a:lnR w="12700" cmpd="sng">
+                      <a:noFill/>
+                    </a:lnR>
+                    <a:lnT w="12700" cmpd="sng">
+                      <a:noFill/>
+                    </a:lnT>
+                    <a:lnB w="38100" cmpd="sng">
+                      <a:noFill/>
+                    </a:lnB>
+                    <a:lnTlToBr w="12700" cmpd="sng">
+                      <a:noFill/>
+                      <a:prstDash val="solid"/>
+                    </a:lnTlToBr>
+                    <a:lnBlToTr w="12700" cmpd="sng">
+                      <a:noFill/>
+                      <a:prstDash val="solid"/>
+                    </a:lnBlToTr>
+                  </a:tcPr>
                 </a:tc>
                 <a:tc>
                   <a:txBody>
@@ -7430,13 +7695,34 @@
                     <a:p>
                       <a:pPr algn="ctr"/>
                       <a:r>
-                        <a:rPr lang="en-US" dirty="0"/>
+                        <a:rPr lang="en-US" sz="2800" dirty="0"/>
                         <a:t>Prepared Statement</a:t>
                       </a:r>
-                      <a:endParaRPr lang="en-IN" dirty="0"/>
+                      <a:endParaRPr lang="en-IN" sz="2800" dirty="0"/>
                     </a:p>
                   </a:txBody>
-                  <a:tcPr/>
+                  <a:tcPr anchor="ctr">
+                    <a:lnL w="12700" cmpd="sng">
+                      <a:noFill/>
+                    </a:lnL>
+                    <a:lnR w="12700" cmpd="sng">
+                      <a:noFill/>
+                    </a:lnR>
+                    <a:lnT w="12700" cmpd="sng">
+                      <a:noFill/>
+                    </a:lnT>
+                    <a:lnB w="38100" cmpd="sng">
+                      <a:noFill/>
+                    </a:lnB>
+                    <a:lnTlToBr w="12700" cmpd="sng">
+                      <a:noFill/>
+                      <a:prstDash val="solid"/>
+                    </a:lnTlToBr>
+                    <a:lnBlToTr w="12700" cmpd="sng">
+                      <a:noFill/>
+                      <a:prstDash val="solid"/>
+                    </a:lnBlToTr>
+                  </a:tcPr>
                 </a:tc>
                 <a:extLst>
                   <a:ext uri="{0D108BD9-81ED-4DB2-BD59-A6C34878D82A}">
@@ -7444,20 +7730,24 @@
                   </a:ext>
                 </a:extLst>
               </a:tr>
-              <a:tr h="745529">
+              <a:tr h="734605">
                 <a:tc>
                   <a:txBody>
                     <a:bodyPr/>
                     <a:lstStyle/>
                     <a:p>
                       <a:r>
-                        <a:rPr lang="en-US" dirty="0"/>
+                        <a:rPr lang="en-US" sz="2000" dirty="0"/>
                         <a:t>Slow</a:t>
                       </a:r>
-                      <a:endParaRPr lang="en-IN" dirty="0"/>
+                      <a:endParaRPr lang="en-IN" sz="2000" dirty="0"/>
                     </a:p>
                   </a:txBody>
-                  <a:tcPr/>
+                  <a:tcPr anchor="ctr">
+                    <a:lnT w="38100" cmpd="sng">
+                      <a:noFill/>
+                    </a:lnT>
+                  </a:tcPr>
                 </a:tc>
                 <a:tc>
                   <a:txBody>
@@ -7465,13 +7755,17 @@
                     <a:lstStyle/>
                     <a:p>
                       <a:r>
-                        <a:rPr lang="en-US" dirty="0"/>
+                        <a:rPr lang="en-US" sz="2000" dirty="0"/>
                         <a:t>Fast</a:t>
                       </a:r>
-                      <a:endParaRPr lang="en-IN" dirty="0"/>
+                      <a:endParaRPr lang="en-IN" sz="2000" dirty="0"/>
                     </a:p>
                   </a:txBody>
-                  <a:tcPr/>
+                  <a:tcPr anchor="ctr">
+                    <a:lnT w="38100" cmpd="sng">
+                      <a:noFill/>
+                    </a:lnT>
+                  </a:tcPr>
                 </a:tc>
                 <a:extLst>
                   <a:ext uri="{0D108BD9-81ED-4DB2-BD59-A6C34878D82A}">
@@ -7479,20 +7773,20 @@
                   </a:ext>
                 </a:extLst>
               </a:tr>
-              <a:tr h="745529">
+              <a:tr h="734605">
                 <a:tc>
                   <a:txBody>
                     <a:bodyPr/>
                     <a:lstStyle/>
                     <a:p>
                       <a:r>
-                        <a:rPr lang="en-US" dirty="0"/>
+                        <a:rPr lang="en-US" sz="2000" dirty="0"/>
                         <a:t>BLOB and CLOB is not supported</a:t>
                       </a:r>
-                      <a:endParaRPr lang="en-IN" dirty="0"/>
+                      <a:endParaRPr lang="en-IN" sz="2000" dirty="0"/>
                     </a:p>
                   </a:txBody>
-                  <a:tcPr/>
+                  <a:tcPr anchor="ctr"/>
                 </a:tc>
                 <a:tc>
                   <a:txBody>
@@ -7500,13 +7794,13 @@
                     <a:lstStyle/>
                     <a:p>
                       <a:r>
-                        <a:rPr lang="en-US" dirty="0"/>
+                        <a:rPr lang="en-US" sz="2000" dirty="0"/>
                         <a:t>BLOB and CLOB is supported</a:t>
                       </a:r>
-                      <a:endParaRPr lang="en-IN" dirty="0"/>
+                      <a:endParaRPr lang="en-IN" sz="2000" dirty="0"/>
                     </a:p>
                   </a:txBody>
-                  <a:tcPr/>
+                  <a:tcPr anchor="ctr"/>
                 </a:tc>
                 <a:extLst>
                   <a:ext uri="{0D108BD9-81ED-4DB2-BD59-A6C34878D82A}">
@@ -7514,20 +7808,20 @@
                   </a:ext>
                 </a:extLst>
               </a:tr>
-              <a:tr h="745529">
+              <a:tr h="734605">
                 <a:tc>
                   <a:txBody>
                     <a:bodyPr/>
                     <a:lstStyle/>
                     <a:p>
                       <a:r>
-                        <a:rPr lang="en-US" dirty="0"/>
+                        <a:rPr lang="en-US" sz="2000" dirty="0"/>
                         <a:t>Does not accept run time parameters</a:t>
                       </a:r>
-                      <a:endParaRPr lang="en-IN" dirty="0"/>
+                      <a:endParaRPr lang="en-IN" sz="2000" dirty="0"/>
                     </a:p>
                   </a:txBody>
-                  <a:tcPr/>
+                  <a:tcPr anchor="ctr"/>
                 </a:tc>
                 <a:tc>
                   <a:txBody>
@@ -7535,13 +7829,13 @@
                     <a:lstStyle/>
                     <a:p>
                       <a:r>
-                        <a:rPr lang="en-US" dirty="0"/>
+                        <a:rPr lang="en-US" sz="2000" dirty="0"/>
                         <a:t>It accepts run time parameters</a:t>
                       </a:r>
-                      <a:endParaRPr lang="en-IN" dirty="0"/>
+                      <a:endParaRPr lang="en-IN" sz="2000" dirty="0"/>
                     </a:p>
                   </a:txBody>
-                  <a:tcPr/>
+                  <a:tcPr anchor="ctr"/>
                 </a:tc>
                 <a:extLst>
                   <a:ext uri="{0D108BD9-81ED-4DB2-BD59-A6C34878D82A}">
@@ -7549,24 +7843,24 @@
                   </a:ext>
                 </a:extLst>
               </a:tr>
-              <a:tr h="745529">
+              <a:tr h="734605">
                 <a:tc>
                   <a:txBody>
                     <a:bodyPr/>
                     <a:lstStyle/>
                     <a:p>
                       <a:r>
-                        <a:rPr lang="en-IN" dirty="0"/>
+                        <a:rPr lang="en-IN" sz="2000" dirty="0"/>
                         <a:t>Vulnerable</a:t>
                       </a:r>
                       <a:r>
-                        <a:rPr lang="en-US" dirty="0"/>
+                        <a:rPr lang="en-US" sz="2000" dirty="0"/>
                         <a:t> to SQL Injection attack</a:t>
                       </a:r>
-                      <a:endParaRPr lang="en-IN" dirty="0"/>
+                      <a:endParaRPr lang="en-IN" sz="2000" dirty="0"/>
                     </a:p>
                   </a:txBody>
-                  <a:tcPr/>
+                  <a:tcPr anchor="ctr"/>
                 </a:tc>
                 <a:tc>
                   <a:txBody>
@@ -7574,13 +7868,13 @@
                     <a:lstStyle/>
                     <a:p>
                       <a:r>
-                        <a:rPr lang="en-US" dirty="0"/>
+                        <a:rPr lang="en-US" sz="2000" dirty="0"/>
                         <a:t>Prevents SQL Injection attack</a:t>
                       </a:r>
-                      <a:endParaRPr lang="en-IN" dirty="0"/>
+                      <a:endParaRPr lang="en-IN" sz="2000" dirty="0"/>
                     </a:p>
                   </a:txBody>
-                  <a:tcPr/>
+                  <a:tcPr anchor="ctr"/>
                 </a:tc>
                 <a:extLst>
                   <a:ext uri="{0D108BD9-81ED-4DB2-BD59-A6C34878D82A}">
@@ -7592,6 +7886,67 @@
           </a:graphicData>
         </a:graphic>
       </p:graphicFrame>
+      <p:sp>
+        <p:nvSpPr>
+          <p:cNvPr id="4" name="Title 1">
+            <a:extLst>
+              <a:ext uri="{FF2B5EF4-FFF2-40B4-BE49-F238E27FC236}">
+                <a16:creationId xmlns:a16="http://schemas.microsoft.com/office/drawing/2014/main" id="{C76E66A3-F4AD-45E2-BB36-5B326B415D52}"/>
+              </a:ext>
+            </a:extLst>
+          </p:cNvPr>
+          <p:cNvSpPr txBox="1">
+            <a:spLocks/>
+          </p:cNvSpPr>
+          <p:nvPr/>
+        </p:nvSpPr>
+        <p:spPr>
+          <a:xfrm>
+            <a:off x="838200" y="508691"/>
+            <a:ext cx="10515600" cy="1247538"/>
+          </a:xfrm>
+          <a:prstGeom prst="rect">
+            <a:avLst/>
+          </a:prstGeom>
+        </p:spPr>
+        <p:txBody>
+          <a:bodyPr/>
+          <a:lstStyle>
+            <a:lvl1pPr algn="l" defTabSz="914400" rtl="0" eaLnBrk="1" latinLnBrk="0" hangingPunct="1">
+              <a:lnSpc>
+                <a:spcPct val="90000"/>
+              </a:lnSpc>
+              <a:spcBef>
+                <a:spcPct val="0"/>
+              </a:spcBef>
+              <a:buNone/>
+              <a:defRPr sz="4400" kern="1200">
+                <a:solidFill>
+                  <a:schemeClr val="tx1"/>
+                </a:solidFill>
+                <a:latin typeface="+mj-lt"/>
+                <a:ea typeface="+mj-ea"/>
+                <a:cs typeface="+mj-cs"/>
+              </a:defRPr>
+            </a:lvl1pPr>
+          </a:lstStyle>
+          <a:p>
+            <a:r>
+              <a:rPr lang="en-US" dirty="0"/>
+              <a:t>Why </a:t>
+            </a:r>
+            <a:r>
+              <a:rPr lang="en-US" dirty="0" err="1"/>
+              <a:t>PreparedStatement</a:t>
+            </a:r>
+            <a:r>
+              <a:rPr lang="en-US" dirty="0"/>
+              <a:t> is better than Statement?</a:t>
+            </a:r>
+            <a:endParaRPr lang="en-IN" dirty="0"/>
+          </a:p>
+        </p:txBody>
+      </p:sp>
     </p:spTree>
     <p:extLst>
       <p:ext uri="{BB962C8B-B14F-4D97-AF65-F5344CB8AC3E}">
@@ -7624,10 +7979,10 @@
       </p:grpSpPr>
       <p:sp>
         <p:nvSpPr>
-          <p:cNvPr id="2" name="TextBox 1">
-            <a:extLst>
-              <a:ext uri="{FF2B5EF4-FFF2-40B4-BE49-F238E27FC236}">
-                <a16:creationId xmlns:a16="http://schemas.microsoft.com/office/drawing/2014/main" id="{F486E4A9-9B18-4C17-BFF1-33D038AB9345}"/>
+          <p:cNvPr id="3" name="TextBox 2">
+            <a:extLst>
+              <a:ext uri="{FF2B5EF4-FFF2-40B4-BE49-F238E27FC236}">
+                <a16:creationId xmlns:a16="http://schemas.microsoft.com/office/drawing/2014/main" id="{00B5DE94-0FCC-473B-A2E1-FB80AE54C55E}"/>
               </a:ext>
             </a:extLst>
           </p:cNvPr>
@@ -7636,8 +7991,8 @@
         </p:nvSpPr>
         <p:spPr>
           <a:xfrm>
-            <a:off x="5114925" y="361950"/>
-            <a:ext cx="1351845" cy="369332"/>
+            <a:off x="2099014" y="2755035"/>
+            <a:ext cx="9002684" cy="2708434"/>
           </a:xfrm>
           <a:prstGeom prst="rect">
             <a:avLst/>
@@ -7645,11 +8000,145 @@
           <a:noFill/>
         </p:spPr>
         <p:txBody>
-          <a:bodyPr wrap="none" rtlCol="0">
+          <a:bodyPr wrap="square" rtlCol="0">
             <a:spAutoFit/>
           </a:bodyPr>
           <a:lstStyle/>
           <a:p>
+            <a:pPr marL="285750" indent="-285750">
+              <a:lnSpc>
+                <a:spcPct val="150000"/>
+              </a:lnSpc>
+              <a:buFont typeface="Arial" panose="020B0604020202020204" pitchFamily="34" charset="0"/>
+              <a:buChar char="•"/>
+            </a:pPr>
+            <a:r>
+              <a:rPr lang="en-US" sz="2000" dirty="0"/>
+              <a:t>By default, auto Commit is set to true in Connection object</a:t>
+            </a:r>
+            <a:endParaRPr lang="en-IN" sz="2000" dirty="0"/>
+          </a:p>
+          <a:p>
+            <a:pPr marL="285750" indent="-285750">
+              <a:lnSpc>
+                <a:spcPct val="150000"/>
+              </a:lnSpc>
+              <a:buFont typeface="Arial" panose="020B0604020202020204" pitchFamily="34" charset="0"/>
+              <a:buChar char="•"/>
+            </a:pPr>
+            <a:r>
+              <a:rPr lang="en-IN" sz="2000" dirty="0"/>
+              <a:t>Methods used in case of transactions on Connection object are</a:t>
+            </a:r>
+          </a:p>
+          <a:p>
+            <a:pPr>
+              <a:lnSpc>
+                <a:spcPct val="150000"/>
+              </a:lnSpc>
+            </a:pPr>
+            <a:r>
+              <a:rPr lang="en-IN" sz="2000" dirty="0"/>
+              <a:t>	</a:t>
+            </a:r>
+            <a:r>
+              <a:rPr lang="en-US" sz="2000" dirty="0" err="1"/>
+              <a:t>con.setAutoCommit</a:t>
+            </a:r>
+            <a:r>
+              <a:rPr lang="en-US" sz="2000" dirty="0"/>
+              <a:t>(false)</a:t>
+            </a:r>
+          </a:p>
+          <a:p>
+            <a:pPr>
+              <a:lnSpc>
+                <a:spcPct val="150000"/>
+              </a:lnSpc>
+            </a:pPr>
+            <a:r>
+              <a:rPr lang="en-US" sz="2000" dirty="0"/>
+              <a:t>	</a:t>
+            </a:r>
+            <a:r>
+              <a:rPr lang="en-US" sz="2000" dirty="0" err="1"/>
+              <a:t>con.commit</a:t>
+            </a:r>
+            <a:r>
+              <a:rPr lang="en-US" sz="2000" dirty="0"/>
+              <a:t>()</a:t>
+            </a:r>
+          </a:p>
+          <a:p>
+            <a:pPr>
+              <a:lnSpc>
+                <a:spcPct val="150000"/>
+              </a:lnSpc>
+            </a:pPr>
+            <a:r>
+              <a:rPr lang="en-US" sz="2000" dirty="0"/>
+              <a:t>	</a:t>
+            </a:r>
+            <a:r>
+              <a:rPr lang="en-US" sz="2000" dirty="0" err="1"/>
+              <a:t>con.rollback</a:t>
+            </a:r>
+            <a:r>
+              <a:rPr lang="en-US" sz="2000" dirty="0"/>
+              <a:t>()</a:t>
+            </a:r>
+            <a:endParaRPr lang="en-IN" sz="2000" dirty="0"/>
+          </a:p>
+          <a:p>
+            <a:endParaRPr lang="en-US" sz="2000" dirty="0"/>
+          </a:p>
+        </p:txBody>
+      </p:sp>
+      <p:sp>
+        <p:nvSpPr>
+          <p:cNvPr id="6" name="Title 1">
+            <a:extLst>
+              <a:ext uri="{FF2B5EF4-FFF2-40B4-BE49-F238E27FC236}">
+                <a16:creationId xmlns:a16="http://schemas.microsoft.com/office/drawing/2014/main" id="{933BB7EB-6E7B-4F49-943B-9575972A54E4}"/>
+              </a:ext>
+            </a:extLst>
+          </p:cNvPr>
+          <p:cNvSpPr txBox="1">
+            <a:spLocks/>
+          </p:cNvSpPr>
+          <p:nvPr/>
+        </p:nvSpPr>
+        <p:spPr>
+          <a:xfrm>
+            <a:off x="838200" y="508691"/>
+            <a:ext cx="10515600" cy="1247538"/>
+          </a:xfrm>
+          <a:prstGeom prst="rect">
+            <a:avLst/>
+          </a:prstGeom>
+        </p:spPr>
+        <p:txBody>
+          <a:bodyPr/>
+          <a:lstStyle>
+            <a:lvl1pPr algn="l" defTabSz="914400" rtl="0" eaLnBrk="1" latinLnBrk="0" hangingPunct="1">
+              <a:lnSpc>
+                <a:spcPct val="90000"/>
+              </a:lnSpc>
+              <a:spcBef>
+                <a:spcPct val="0"/>
+              </a:spcBef>
+              <a:buNone/>
+              <a:defRPr sz="4400" kern="1200">
+                <a:solidFill>
+                  <a:schemeClr val="tx1"/>
+                </a:solidFill>
+                <a:latin typeface="+mj-lt"/>
+                <a:ea typeface="+mj-ea"/>
+                <a:cs typeface="+mj-cs"/>
+              </a:defRPr>
+            </a:lvl1pPr>
+          </a:lstStyle>
+          <a:p>
             <a:r>
               <a:rPr lang="en-US" dirty="0"/>
               <a:t>Transactions</a:t>
@@ -7663,7 +8152,7 @@
           <p:cNvPr id="4" name="TextBox 3">
             <a:extLst>
               <a:ext uri="{FF2B5EF4-FFF2-40B4-BE49-F238E27FC236}">
-                <a16:creationId xmlns:a16="http://schemas.microsoft.com/office/drawing/2014/main" id="{D3DDA8AA-951B-437C-9F6C-BBB5A207F342}"/>
+                <a16:creationId xmlns:a16="http://schemas.microsoft.com/office/drawing/2014/main" id="{FC32D0C4-078F-422E-ADD5-74A8F270028C}"/>
               </a:ext>
             </a:extLst>
           </p:cNvPr>
@@ -7672,8 +8161,8 @@
         </p:nvSpPr>
         <p:spPr>
           <a:xfrm>
-            <a:off x="1561903" y="2228671"/>
-            <a:ext cx="2633798" cy="923330"/>
+            <a:off x="1100208" y="1770441"/>
+            <a:ext cx="9002684" cy="506292"/>
           </a:xfrm>
           <a:prstGeom prst="rect">
             <a:avLst/>
@@ -7681,91 +8170,24 @@
           <a:noFill/>
         </p:spPr>
         <p:txBody>
-          <a:bodyPr wrap="none" rtlCol="0">
-            <a:spAutoFit/>
-          </a:bodyPr>
-          <a:lstStyle/>
-          <a:p>
-            <a:r>
-              <a:rPr lang="en-US" dirty="0" err="1"/>
-              <a:t>con.setAutoCommit</a:t>
-            </a:r>
-            <a:r>
-              <a:rPr lang="en-US" dirty="0"/>
-              <a:t>(false)</a:t>
-            </a:r>
-          </a:p>
-          <a:p>
-            <a:r>
-              <a:rPr lang="en-US" dirty="0" err="1"/>
-              <a:t>con.commit</a:t>
-            </a:r>
-            <a:r>
-              <a:rPr lang="en-US" dirty="0"/>
-              <a:t>()</a:t>
-            </a:r>
-          </a:p>
-          <a:p>
-            <a:r>
-              <a:rPr lang="en-US" dirty="0" err="1"/>
-              <a:t>con.rollback</a:t>
-            </a:r>
-            <a:r>
-              <a:rPr lang="en-US" dirty="0"/>
-              <a:t>()</a:t>
-            </a:r>
-            <a:endParaRPr lang="en-IN" dirty="0"/>
-          </a:p>
-        </p:txBody>
-      </p:sp>
-      <p:sp>
-        <p:nvSpPr>
-          <p:cNvPr id="3" name="TextBox 2">
-            <a:extLst>
-              <a:ext uri="{FF2B5EF4-FFF2-40B4-BE49-F238E27FC236}">
-                <a16:creationId xmlns:a16="http://schemas.microsoft.com/office/drawing/2014/main" id="{00B5DE94-0FCC-473B-A2E1-FB80AE54C55E}"/>
-              </a:ext>
-            </a:extLst>
-          </p:cNvPr>
-          <p:cNvSpPr txBox="1"/>
-          <p:nvPr/>
-        </p:nvSpPr>
-        <p:spPr>
-          <a:xfrm>
-            <a:off x="1289505" y="1512056"/>
-            <a:ext cx="9002684" cy="646331"/>
-          </a:xfrm>
-          <a:prstGeom prst="rect">
-            <a:avLst/>
-          </a:prstGeom>
-          <a:noFill/>
-        </p:spPr>
-        <p:txBody>
           <a:bodyPr wrap="square" rtlCol="0">
             <a:spAutoFit/>
           </a:bodyPr>
           <a:lstStyle/>
           <a:p>
-            <a:pPr marL="285750" indent="-285750">
-              <a:buFont typeface="Arial" panose="020B0604020202020204" pitchFamily="34" charset="0"/>
-              <a:buChar char="•"/>
+            <a:pPr>
+              <a:lnSpc>
+                <a:spcPct val="150000"/>
+              </a:lnSpc>
             </a:pPr>
             <a:r>
-              <a:rPr lang="en-US" dirty="0"/>
-              <a:t>By default, auto Commit is set to true in Connection object</a:t>
-            </a:r>
-            <a:endParaRPr lang="en-IN" dirty="0"/>
-          </a:p>
-          <a:p>
-            <a:pPr marL="285750" indent="-285750">
-              <a:buFont typeface="Arial" panose="020B0604020202020204" pitchFamily="34" charset="0"/>
-              <a:buChar char="•"/>
-            </a:pPr>
-            <a:r>
-              <a:rPr lang="en-IN" dirty="0"/>
-              <a:t>Methods used in case of transactions on Connection object</a:t>
-            </a:r>
-            <a:endParaRPr lang="en-US" dirty="0"/>
+              <a:rPr lang="en-US" sz="2000" dirty="0"/>
+              <a:t>Database Transactions mechanism is very essential to ensure </a:t>
+            </a:r>
+            <a:r>
+              <a:rPr lang="en-US" sz="2000" b="1" dirty="0"/>
+              <a:t>database consistency.</a:t>
+            </a:r>
           </a:p>
         </p:txBody>
       </p:sp>
@@ -7801,10 +8223,10 @@
       </p:grpSpPr>
       <p:sp>
         <p:nvSpPr>
-          <p:cNvPr id="2" name="TextBox 1">
-            <a:extLst>
-              <a:ext uri="{FF2B5EF4-FFF2-40B4-BE49-F238E27FC236}">
-                <a16:creationId xmlns:a16="http://schemas.microsoft.com/office/drawing/2014/main" id="{F486E4A9-9B18-4C17-BFF1-33D038AB9345}"/>
+          <p:cNvPr id="4" name="TextBox 3">
+            <a:extLst>
+              <a:ext uri="{FF2B5EF4-FFF2-40B4-BE49-F238E27FC236}">
+                <a16:creationId xmlns:a16="http://schemas.microsoft.com/office/drawing/2014/main" id="{D3DDA8AA-951B-437C-9F6C-BBB5A207F342}"/>
               </a:ext>
             </a:extLst>
           </p:cNvPr>
@@ -7813,8 +8235,8 @@
         </p:nvSpPr>
         <p:spPr>
           <a:xfrm>
-            <a:off x="5114925" y="361950"/>
-            <a:ext cx="1095813" cy="369332"/>
+            <a:off x="2175103" y="3215257"/>
+            <a:ext cx="2065245" cy="369332"/>
           </a:xfrm>
           <a:prstGeom prst="rect">
             <a:avLst/>
@@ -7828,19 +8250,18 @@
           <a:lstStyle/>
           <a:p>
             <a:r>
-              <a:rPr lang="en-US" dirty="0"/>
-              <a:t>Metadata</a:t>
-            </a:r>
-            <a:endParaRPr lang="en-IN" dirty="0"/>
-          </a:p>
-        </p:txBody>
-      </p:sp>
-      <p:sp>
-        <p:nvSpPr>
-          <p:cNvPr id="4" name="TextBox 3">
-            <a:extLst>
-              <a:ext uri="{FF2B5EF4-FFF2-40B4-BE49-F238E27FC236}">
-                <a16:creationId xmlns:a16="http://schemas.microsoft.com/office/drawing/2014/main" id="{D3DDA8AA-951B-437C-9F6C-BBB5A207F342}"/>
+              <a:rPr lang="en-US" b="1" dirty="0"/>
+              <a:t>Database Metadata</a:t>
+            </a:r>
+          </a:p>
+        </p:txBody>
+      </p:sp>
+      <p:sp>
+        <p:nvSpPr>
+          <p:cNvPr id="5" name="TextBox 4">
+            <a:extLst>
+              <a:ext uri="{FF2B5EF4-FFF2-40B4-BE49-F238E27FC236}">
+                <a16:creationId xmlns:a16="http://schemas.microsoft.com/office/drawing/2014/main" id="{DC7778B3-9C3F-4290-8BED-3B5A18DA7CF4}"/>
               </a:ext>
             </a:extLst>
           </p:cNvPr>
@@ -7849,8 +8270,8 @@
         </p:nvSpPr>
         <p:spPr>
           <a:xfrm>
-            <a:off x="1057275" y="1333500"/>
-            <a:ext cx="2022220" cy="369332"/>
+            <a:off x="8425294" y="3244334"/>
+            <a:ext cx="2067810" cy="369332"/>
           </a:xfrm>
           <a:prstGeom prst="rect">
             <a:avLst/>
@@ -7864,18 +8285,76 @@
           <a:lstStyle/>
           <a:p>
             <a:r>
+              <a:rPr lang="en-US" b="1" dirty="0" err="1"/>
+              <a:t>ResultSet</a:t>
+            </a:r>
+            <a:r>
+              <a:rPr lang="en-US" b="1" dirty="0"/>
+              <a:t> Metadata</a:t>
+            </a:r>
+            <a:endParaRPr lang="en-IN" b="1" dirty="0"/>
+          </a:p>
+        </p:txBody>
+      </p:sp>
+      <p:sp>
+        <p:nvSpPr>
+          <p:cNvPr id="7" name="Title 1">
+            <a:extLst>
+              <a:ext uri="{FF2B5EF4-FFF2-40B4-BE49-F238E27FC236}">
+                <a16:creationId xmlns:a16="http://schemas.microsoft.com/office/drawing/2014/main" id="{B2F643A1-0C2E-44C9-9380-6FBDAF5BE26A}"/>
+              </a:ext>
+            </a:extLst>
+          </p:cNvPr>
+          <p:cNvSpPr txBox="1">
+            <a:spLocks/>
+          </p:cNvSpPr>
+          <p:nvPr/>
+        </p:nvSpPr>
+        <p:spPr>
+          <a:xfrm>
+            <a:off x="838200" y="508691"/>
+            <a:ext cx="10515600" cy="1247538"/>
+          </a:xfrm>
+          <a:prstGeom prst="rect">
+            <a:avLst/>
+          </a:prstGeom>
+        </p:spPr>
+        <p:txBody>
+          <a:bodyPr/>
+          <a:lstStyle>
+            <a:lvl1pPr algn="l" defTabSz="914400" rtl="0" eaLnBrk="1" latinLnBrk="0" hangingPunct="1">
+              <a:lnSpc>
+                <a:spcPct val="90000"/>
+              </a:lnSpc>
+              <a:spcBef>
+                <a:spcPct val="0"/>
+              </a:spcBef>
+              <a:buNone/>
+              <a:defRPr sz="4400" kern="1200">
+                <a:solidFill>
+                  <a:schemeClr val="tx1"/>
+                </a:solidFill>
+                <a:latin typeface="+mj-lt"/>
+                <a:ea typeface="+mj-ea"/>
+                <a:cs typeface="+mj-cs"/>
+              </a:defRPr>
+            </a:lvl1pPr>
+          </a:lstStyle>
+          <a:p>
+            <a:r>
               <a:rPr lang="en-US" dirty="0"/>
-              <a:t>Database Metadata</a:t>
-            </a:r>
-          </a:p>
-        </p:txBody>
-      </p:sp>
-      <p:sp>
-        <p:nvSpPr>
-          <p:cNvPr id="5" name="TextBox 4">
-            <a:extLst>
-              <a:ext uri="{FF2B5EF4-FFF2-40B4-BE49-F238E27FC236}">
-                <a16:creationId xmlns:a16="http://schemas.microsoft.com/office/drawing/2014/main" id="{DC7778B3-9C3F-4290-8BED-3B5A18DA7CF4}"/>
+              <a:t>Metadata</a:t>
+            </a:r>
+            <a:endParaRPr lang="en-IN" dirty="0"/>
+          </a:p>
+        </p:txBody>
+      </p:sp>
+      <p:sp>
+        <p:nvSpPr>
+          <p:cNvPr id="10" name="TextBox 9">
+            <a:extLst>
+              <a:ext uri="{FF2B5EF4-FFF2-40B4-BE49-F238E27FC236}">
+                <a16:creationId xmlns:a16="http://schemas.microsoft.com/office/drawing/2014/main" id="{DD0542AC-A0F4-4639-AC8D-3FBEB8558764}"/>
               </a:ext>
             </a:extLst>
           </p:cNvPr>
@@ -7884,8 +8363,8 @@
         </p:nvSpPr>
         <p:spPr>
           <a:xfrm>
-            <a:off x="8454537" y="1266092"/>
-            <a:ext cx="2023503" cy="369332"/>
+            <a:off x="838199" y="1301051"/>
+            <a:ext cx="10626969" cy="1121846"/>
           </a:xfrm>
           <a:prstGeom prst="rect">
             <a:avLst/>
@@ -7893,83 +8372,308 @@
           <a:noFill/>
         </p:spPr>
         <p:txBody>
+          <a:bodyPr wrap="square" rtlCol="0">
+            <a:spAutoFit/>
+          </a:bodyPr>
+          <a:lstStyle>
+            <a:defPPr>
+              <a:defRPr lang="en-US"/>
+            </a:defPPr>
+            <a:lvl1pPr>
+              <a:lnSpc>
+                <a:spcPct val="150000"/>
+              </a:lnSpc>
+              <a:defRPr sz="2000"/>
+            </a:lvl1pPr>
+          </a:lstStyle>
+          <a:p>
+            <a:pPr marL="342900" indent="-342900">
+              <a:lnSpc>
+                <a:spcPct val="100000"/>
+              </a:lnSpc>
+              <a:buFont typeface="Arial" panose="020B0604020202020204" pitchFamily="34" charset="0"/>
+              <a:buChar char="•"/>
+            </a:pPr>
+            <a:r>
+              <a:rPr lang="en-US" dirty="0"/>
+              <a:t>Metadata in DBMS refers to the </a:t>
+            </a:r>
+            <a:r>
+              <a:rPr lang="en-US" b="1" dirty="0"/>
+              <a:t>information that describes the schema and other information related to the stored data </a:t>
+            </a:r>
+            <a:r>
+              <a:rPr lang="en-US" dirty="0"/>
+              <a:t>in the database.</a:t>
+            </a:r>
+          </a:p>
+          <a:p>
+            <a:pPr marL="342900" indent="-342900">
+              <a:buFont typeface="Arial" panose="020B0604020202020204" pitchFamily="34" charset="0"/>
+              <a:buChar char="•"/>
+            </a:pPr>
+            <a:r>
+              <a:rPr lang="en-IN" dirty="0"/>
+              <a:t>In JDBC there are two type of Metadata; Database Metadata and </a:t>
+            </a:r>
+            <a:r>
+              <a:rPr lang="en-IN" dirty="0" err="1"/>
+              <a:t>ResultSet</a:t>
+            </a:r>
+            <a:r>
+              <a:rPr lang="en-IN" dirty="0"/>
+              <a:t> Metadata.</a:t>
+            </a:r>
+          </a:p>
+        </p:txBody>
+      </p:sp>
+      <p:sp>
+        <p:nvSpPr>
+          <p:cNvPr id="6" name="TextBox 5">
+            <a:extLst>
+              <a:ext uri="{FF2B5EF4-FFF2-40B4-BE49-F238E27FC236}">
+                <a16:creationId xmlns:a16="http://schemas.microsoft.com/office/drawing/2014/main" id="{11DAAE7D-D8C5-4333-B550-42778F02FD2B}"/>
+              </a:ext>
+            </a:extLst>
+          </p:cNvPr>
+          <p:cNvSpPr txBox="1"/>
+          <p:nvPr/>
+        </p:nvSpPr>
+        <p:spPr>
+          <a:xfrm>
+            <a:off x="838199" y="3662944"/>
+            <a:ext cx="4696029" cy="2308324"/>
+          </a:xfrm>
+          <a:prstGeom prst="rect">
+            <a:avLst/>
+          </a:prstGeom>
+          <a:noFill/>
+        </p:spPr>
+        <p:txBody>
           <a:bodyPr wrap="none" rtlCol="0">
             <a:spAutoFit/>
           </a:bodyPr>
           <a:lstStyle/>
           <a:p>
             <a:r>
-              <a:rPr lang="en-US" dirty="0" err="1"/>
-              <a:t>ResultSet</a:t>
-            </a:r>
-            <a:r>
               <a:rPr lang="en-US" dirty="0"/>
-              <a:t> Metadata</a:t>
+              <a:t>It is used to get data related to database such as</a:t>
+            </a:r>
+          </a:p>
+          <a:p>
+            <a:pPr marL="285750" indent="-285750">
+              <a:buFont typeface="Arial" panose="020B0604020202020204" pitchFamily="34" charset="0"/>
+              <a:buChar char="•"/>
+            </a:pPr>
+            <a:r>
+              <a:rPr lang="en-US" dirty="0"/>
+              <a:t>Database name</a:t>
+            </a:r>
+          </a:p>
+          <a:p>
+            <a:pPr marL="285750" indent="-285750">
+              <a:buFont typeface="Arial" panose="020B0604020202020204" pitchFamily="34" charset="0"/>
+              <a:buChar char="•"/>
+            </a:pPr>
+            <a:r>
+              <a:rPr lang="en-US" dirty="0"/>
+              <a:t>Database Product Version</a:t>
+            </a:r>
+          </a:p>
+          <a:p>
+            <a:pPr marL="285750" indent="-285750">
+              <a:buFont typeface="Arial" panose="020B0604020202020204" pitchFamily="34" charset="0"/>
+              <a:buChar char="•"/>
+            </a:pPr>
+            <a:r>
+              <a:rPr lang="en-US" dirty="0"/>
+              <a:t>Driver Name</a:t>
+            </a:r>
+          </a:p>
+          <a:p>
+            <a:pPr marL="285750" indent="-285750">
+              <a:buFont typeface="Arial" panose="020B0604020202020204" pitchFamily="34" charset="0"/>
+              <a:buChar char="•"/>
+            </a:pPr>
+            <a:r>
+              <a:rPr lang="en-US" dirty="0"/>
+              <a:t>List of Tables, Views.</a:t>
+            </a:r>
+          </a:p>
+          <a:p>
+            <a:pPr marL="285750" indent="-285750">
+              <a:buFont typeface="Arial" panose="020B0604020202020204" pitchFamily="34" charset="0"/>
+              <a:buChar char="•"/>
+            </a:pPr>
+            <a:r>
+              <a:rPr lang="en-US" dirty="0"/>
+              <a:t>List of Databases</a:t>
+            </a:r>
+          </a:p>
+          <a:p>
+            <a:pPr marL="285750" indent="-285750">
+              <a:buFont typeface="Arial" panose="020B0604020202020204" pitchFamily="34" charset="0"/>
+              <a:buChar char="•"/>
+            </a:pPr>
+            <a:r>
+              <a:rPr lang="en-US" dirty="0"/>
+              <a:t>List of Columns</a:t>
+            </a:r>
+          </a:p>
+          <a:p>
+            <a:pPr marL="285750" indent="-285750">
+              <a:buFont typeface="Arial" panose="020B0604020202020204" pitchFamily="34" charset="0"/>
+              <a:buChar char="•"/>
+            </a:pPr>
+            <a:r>
+              <a:rPr lang="en-US" dirty="0"/>
+              <a:t>Etc.</a:t>
             </a:r>
             <a:endParaRPr lang="en-IN" dirty="0"/>
           </a:p>
         </p:txBody>
       </p:sp>
-      <p:pic>
-        <p:nvPicPr>
-          <p:cNvPr id="11" name="Picture 10" descr="Text&#10;&#10;Description automatically generated">
-            <a:extLst>
-              <a:ext uri="{FF2B5EF4-FFF2-40B4-BE49-F238E27FC236}">
-                <a16:creationId xmlns:a16="http://schemas.microsoft.com/office/drawing/2014/main" id="{9DD0DBBC-9116-4F26-9F22-C721F2CAA52D}"/>
-              </a:ext>
-            </a:extLst>
-          </p:cNvPr>
-          <p:cNvPicPr>
-            <a:picLocks noChangeAspect="1"/>
-          </p:cNvPicPr>
+      <p:sp>
+        <p:nvSpPr>
+          <p:cNvPr id="12" name="TextBox 11">
+            <a:extLst>
+              <a:ext uri="{FF2B5EF4-FFF2-40B4-BE49-F238E27FC236}">
+                <a16:creationId xmlns:a16="http://schemas.microsoft.com/office/drawing/2014/main" id="{FA70681D-E2EC-4B48-9188-F21E448D5336}"/>
+              </a:ext>
+            </a:extLst>
+          </p:cNvPr>
+          <p:cNvSpPr txBox="1"/>
           <p:nvPr/>
-        </p:nvPicPr>
-        <p:blipFill>
-          <a:blip r:embed="rId3"/>
-          <a:stretch>
-            <a:fillRect/>
-          </a:stretch>
-        </p:blipFill>
+        </p:nvSpPr>
         <p:spPr>
           <a:xfrm>
-            <a:off x="512829" y="2088739"/>
-            <a:ext cx="6049219" cy="2381582"/>
+            <a:off x="7015742" y="3801444"/>
+            <a:ext cx="4842608" cy="2031325"/>
           </a:xfrm>
           <a:prstGeom prst="rect">
             <a:avLst/>
           </a:prstGeom>
+          <a:noFill/>
         </p:spPr>
-      </p:pic>
-      <p:pic>
-        <p:nvPicPr>
-          <p:cNvPr id="13" name="Picture 12" descr="Text, letter&#10;&#10;Description automatically generated">
-            <a:extLst>
-              <a:ext uri="{FF2B5EF4-FFF2-40B4-BE49-F238E27FC236}">
-                <a16:creationId xmlns:a16="http://schemas.microsoft.com/office/drawing/2014/main" id="{9DB515CD-75C9-435E-8D24-17B27EC26467}"/>
-              </a:ext>
-            </a:extLst>
-          </p:cNvPr>
-          <p:cNvPicPr>
-            <a:picLocks noChangeAspect="1"/>
-          </p:cNvPicPr>
+        <p:txBody>
+          <a:bodyPr wrap="none" rtlCol="0">
+            <a:spAutoFit/>
+          </a:bodyPr>
+          <a:lstStyle/>
+          <a:p>
+            <a:r>
+              <a:rPr lang="en-US" dirty="0"/>
+              <a:t>It is used to get metadata of query output such as</a:t>
+            </a:r>
+          </a:p>
+          <a:p>
+            <a:pPr marL="285750" indent="-285750">
+              <a:buFont typeface="Arial" panose="020B0604020202020204" pitchFamily="34" charset="0"/>
+              <a:buChar char="•"/>
+            </a:pPr>
+            <a:r>
+              <a:rPr lang="en-US" dirty="0"/>
+              <a:t>Total Number of Columns</a:t>
+            </a:r>
+          </a:p>
+          <a:p>
+            <a:pPr marL="285750" indent="-285750">
+              <a:buFont typeface="Arial" panose="020B0604020202020204" pitchFamily="34" charset="0"/>
+              <a:buChar char="•"/>
+            </a:pPr>
+            <a:r>
+              <a:rPr lang="en-US" dirty="0"/>
+              <a:t>Column Names</a:t>
+            </a:r>
+          </a:p>
+          <a:p>
+            <a:pPr marL="285750" indent="-285750">
+              <a:buFont typeface="Arial" panose="020B0604020202020204" pitchFamily="34" charset="0"/>
+              <a:buChar char="•"/>
+            </a:pPr>
+            <a:r>
+              <a:rPr lang="en-US" dirty="0"/>
+              <a:t>Column Type</a:t>
+            </a:r>
+          </a:p>
+          <a:p>
+            <a:pPr marL="285750" indent="-285750">
+              <a:buFont typeface="Arial" panose="020B0604020202020204" pitchFamily="34" charset="0"/>
+              <a:buChar char="•"/>
+            </a:pPr>
+            <a:r>
+              <a:rPr lang="en-US" dirty="0"/>
+              <a:t>Is it set to auto increment</a:t>
+            </a:r>
+          </a:p>
+          <a:p>
+            <a:pPr marL="285750" indent="-285750">
+              <a:buFont typeface="Arial" panose="020B0604020202020204" pitchFamily="34" charset="0"/>
+              <a:buChar char="•"/>
+            </a:pPr>
+            <a:r>
+              <a:rPr lang="en-US" dirty="0"/>
+              <a:t>Is it set to nullable</a:t>
+            </a:r>
+          </a:p>
+          <a:p>
+            <a:pPr marL="285750" indent="-285750">
+              <a:buFont typeface="Arial" panose="020B0604020202020204" pitchFamily="34" charset="0"/>
+              <a:buChar char="•"/>
+            </a:pPr>
+            <a:r>
+              <a:rPr lang="en-US" dirty="0"/>
+              <a:t>Etc.</a:t>
+            </a:r>
+            <a:endParaRPr lang="en-IN" dirty="0"/>
+          </a:p>
+        </p:txBody>
+      </p:sp>
+      <p:cxnSp>
+        <p:nvCxnSpPr>
+          <p:cNvPr id="14" name="Straight Connector 13">
+            <a:extLst>
+              <a:ext uri="{FF2B5EF4-FFF2-40B4-BE49-F238E27FC236}">
+                <a16:creationId xmlns:a16="http://schemas.microsoft.com/office/drawing/2014/main" id="{5BCEB521-2350-4151-8874-F22BA902A920}"/>
+              </a:ext>
+            </a:extLst>
+          </p:cNvPr>
+          <p:cNvCxnSpPr>
+            <a:cxnSpLocks/>
+          </p:cNvCxnSpPr>
           <p:nvPr/>
-        </p:nvPicPr>
-        <p:blipFill>
-          <a:blip r:embed="rId4"/>
-          <a:stretch>
-            <a:fillRect/>
-          </a:stretch>
-        </p:blipFill>
+        </p:nvCxnSpPr>
         <p:spPr>
           <a:xfrm>
-            <a:off x="6704879" y="2088739"/>
-            <a:ext cx="5077534" cy="2143424"/>
+            <a:off x="6305550" y="3244334"/>
+            <a:ext cx="0" cy="2889766"/>
           </a:xfrm>
-          <a:prstGeom prst="rect">
+          <a:prstGeom prst="line">
             <a:avLst/>
           </a:prstGeom>
+          <a:ln w="25400">
+            <a:solidFill>
+              <a:schemeClr val="tx1"/>
+            </a:solidFill>
+            <a:headEnd type="none"/>
+            <a:tailEnd type="none"/>
+          </a:ln>
         </p:spPr>
-      </p:pic>
+        <p:style>
+          <a:lnRef idx="1">
+            <a:schemeClr val="accent1"/>
+          </a:lnRef>
+          <a:fillRef idx="0">
+            <a:schemeClr val="accent1"/>
+          </a:fillRef>
+          <a:effectRef idx="0">
+            <a:schemeClr val="accent1"/>
+          </a:effectRef>
+          <a:fontRef idx="minor">
+            <a:schemeClr val="tx1"/>
+          </a:fontRef>
+        </p:style>
+      </p:cxnSp>
     </p:spTree>
     <p:extLst>
       <p:ext uri="{BB962C8B-B14F-4D97-AF65-F5344CB8AC3E}">
@@ -7980,6 +8684,81 @@
   <p:clrMapOvr>
     <a:masterClrMapping/>
   </p:clrMapOvr>
+  <p:timing>
+    <p:tnLst>
+      <p:par>
+        <p:cTn id="1" dur="indefinite" restart="never" nodeType="tmRoot">
+          <p:childTnLst>
+            <p:seq concurrent="1" nextAc="seek">
+              <p:cTn id="2" dur="indefinite" nodeType="mainSeq">
+                <p:childTnLst>
+                  <p:par>
+                    <p:cTn id="3" fill="hold">
+                      <p:stCondLst>
+                        <p:cond delay="indefinite"/>
+                      </p:stCondLst>
+                      <p:childTnLst>
+                        <p:par>
+                          <p:cTn id="4" fill="hold">
+                            <p:stCondLst>
+                              <p:cond delay="0"/>
+                            </p:stCondLst>
+                            <p:childTnLst>
+                              <p:par>
+                                <p:cTn id="5" presetID="1" presetClass="entr" presetSubtype="0" fill="hold" nodeType="clickEffect">
+                                  <p:stCondLst>
+                                    <p:cond delay="0"/>
+                                  </p:stCondLst>
+                                  <p:childTnLst>
+                                    <p:set>
+                                      <p:cBhvr>
+                                        <p:cTn id="6" dur="1" fill="hold">
+                                          <p:stCondLst>
+                                            <p:cond delay="0"/>
+                                          </p:stCondLst>
+                                        </p:cTn>
+                                        <p:tgtEl>
+                                          <p:spTgt spid="14"/>
+                                        </p:tgtEl>
+                                        <p:attrNameLst>
+                                          <p:attrName>style.visibility</p:attrName>
+                                        </p:attrNameLst>
+                                      </p:cBhvr>
+                                      <p:to>
+                                        <p:strVal val="visible"/>
+                                      </p:to>
+                                    </p:set>
+                                  </p:childTnLst>
+                                </p:cTn>
+                              </p:par>
+                            </p:childTnLst>
+                          </p:cTn>
+                        </p:par>
+                      </p:childTnLst>
+                    </p:cTn>
+                  </p:par>
+                </p:childTnLst>
+              </p:cTn>
+              <p:prevCondLst>
+                <p:cond evt="onPrev" delay="0">
+                  <p:tgtEl>
+                    <p:sldTgt/>
+                  </p:tgtEl>
+                </p:cond>
+              </p:prevCondLst>
+              <p:nextCondLst>
+                <p:cond evt="onNext" delay="0">
+                  <p:tgtEl>
+                    <p:sldTgt/>
+                  </p:tgtEl>
+                </p:cond>
+              </p:nextCondLst>
+            </p:seq>
+          </p:childTnLst>
+        </p:cTn>
+      </p:par>
+    </p:tnLst>
+  </p:timing>
 </p:sld>
 </file>
 
@@ -8002,10 +8781,63 @@
       </p:grpSpPr>
       <p:sp>
         <p:nvSpPr>
-          <p:cNvPr id="2" name="TextBox 1">
-            <a:extLst>
-              <a:ext uri="{FF2B5EF4-FFF2-40B4-BE49-F238E27FC236}">
-                <a16:creationId xmlns:a16="http://schemas.microsoft.com/office/drawing/2014/main" id="{F486E4A9-9B18-4C17-BFF1-33D038AB9345}"/>
+          <p:cNvPr id="18" name="Title 1">
+            <a:extLst>
+              <a:ext uri="{FF2B5EF4-FFF2-40B4-BE49-F238E27FC236}">
+                <a16:creationId xmlns:a16="http://schemas.microsoft.com/office/drawing/2014/main" id="{C36207E1-D7D1-442E-B6C3-E7707FDE708B}"/>
+              </a:ext>
+            </a:extLst>
+          </p:cNvPr>
+          <p:cNvSpPr txBox="1">
+            <a:spLocks/>
+          </p:cNvSpPr>
+          <p:nvPr/>
+        </p:nvSpPr>
+        <p:spPr>
+          <a:xfrm>
+            <a:off x="838200" y="508691"/>
+            <a:ext cx="10515600" cy="1247538"/>
+          </a:xfrm>
+          <a:prstGeom prst="rect">
+            <a:avLst/>
+          </a:prstGeom>
+        </p:spPr>
+        <p:txBody>
+          <a:bodyPr/>
+          <a:lstStyle>
+            <a:lvl1pPr algn="l" defTabSz="914400" rtl="0" eaLnBrk="1" latinLnBrk="0" hangingPunct="1">
+              <a:lnSpc>
+                <a:spcPct val="90000"/>
+              </a:lnSpc>
+              <a:spcBef>
+                <a:spcPct val="0"/>
+              </a:spcBef>
+              <a:buNone/>
+              <a:defRPr sz="4400" kern="1200">
+                <a:solidFill>
+                  <a:schemeClr val="tx1"/>
+                </a:solidFill>
+                <a:latin typeface="+mj-lt"/>
+                <a:ea typeface="+mj-ea"/>
+                <a:cs typeface="+mj-cs"/>
+              </a:defRPr>
+            </a:lvl1pPr>
+          </a:lstStyle>
+          <a:p>
+            <a:r>
+              <a:rPr lang="en-US" dirty="0"/>
+              <a:t>BLOB and CLOB</a:t>
+            </a:r>
+            <a:endParaRPr lang="en-IN" dirty="0"/>
+          </a:p>
+        </p:txBody>
+      </p:sp>
+      <p:sp>
+        <p:nvSpPr>
+          <p:cNvPr id="19" name="TextBox 18">
+            <a:extLst>
+              <a:ext uri="{FF2B5EF4-FFF2-40B4-BE49-F238E27FC236}">
+                <a16:creationId xmlns:a16="http://schemas.microsoft.com/office/drawing/2014/main" id="{958F3E80-FB6B-460C-A585-25DF9FD15BA0}"/>
               </a:ext>
             </a:extLst>
           </p:cNvPr>
@@ -8014,8 +8846,8 @@
         </p:nvSpPr>
         <p:spPr>
           <a:xfrm>
-            <a:off x="5114925" y="361950"/>
-            <a:ext cx="1633268" cy="369332"/>
+            <a:off x="2696367" y="3244334"/>
+            <a:ext cx="693588" cy="369332"/>
           </a:xfrm>
           <a:prstGeom prst="rect">
             <a:avLst/>
@@ -8029,462 +8861,317 @@
           <a:lstStyle/>
           <a:p>
             <a:r>
-              <a:rPr lang="en-US" dirty="0"/>
-              <a:t>BLOB and CLOB</a:t>
-            </a:r>
-            <a:endParaRPr lang="en-IN" dirty="0"/>
-          </a:p>
-        </p:txBody>
-      </p:sp>
-      <p:pic>
-        <p:nvPicPr>
-          <p:cNvPr id="4" name="Picture 3" descr="Text&#10;&#10;Description automatically generated">
-            <a:extLst>
-              <a:ext uri="{FF2B5EF4-FFF2-40B4-BE49-F238E27FC236}">
-                <a16:creationId xmlns:a16="http://schemas.microsoft.com/office/drawing/2014/main" id="{E34535E6-2278-4B33-AABB-0331DE9F6EDB}"/>
-              </a:ext>
-            </a:extLst>
-          </p:cNvPr>
-          <p:cNvPicPr>
-            <a:picLocks noChangeAspect="1"/>
-          </p:cNvPicPr>
+              <a:rPr lang="en-US" b="1" dirty="0"/>
+              <a:t>BLOB</a:t>
+            </a:r>
+          </a:p>
+        </p:txBody>
+      </p:sp>
+      <p:sp>
+        <p:nvSpPr>
+          <p:cNvPr id="20" name="TextBox 19">
+            <a:extLst>
+              <a:ext uri="{FF2B5EF4-FFF2-40B4-BE49-F238E27FC236}">
+                <a16:creationId xmlns:a16="http://schemas.microsoft.com/office/drawing/2014/main" id="{4A431086-13D5-4C43-99A6-37B2C412F2CB}"/>
+              </a:ext>
+            </a:extLst>
+          </p:cNvPr>
+          <p:cNvSpPr txBox="1"/>
           <p:nvPr/>
-        </p:nvPicPr>
-        <p:blipFill>
-          <a:blip r:embed="rId3"/>
-          <a:stretch>
-            <a:fillRect/>
-          </a:stretch>
-        </p:blipFill>
+        </p:nvSpPr>
         <p:spPr>
           <a:xfrm>
-            <a:off x="220333" y="1273290"/>
-            <a:ext cx="5873690" cy="1858648"/>
+            <a:off x="8924822" y="3244334"/>
+            <a:ext cx="685572" cy="369332"/>
           </a:xfrm>
           <a:prstGeom prst="rect">
             <a:avLst/>
           </a:prstGeom>
-          <a:ln>
-            <a:solidFill>
-              <a:schemeClr val="tx1"/>
-            </a:solidFill>
-          </a:ln>
+          <a:noFill/>
         </p:spPr>
-      </p:pic>
-      <p:pic>
-        <p:nvPicPr>
-          <p:cNvPr id="6" name="Picture 5" descr="Text&#10;&#10;Description automatically generated">
-            <a:extLst>
-              <a:ext uri="{FF2B5EF4-FFF2-40B4-BE49-F238E27FC236}">
-                <a16:creationId xmlns:a16="http://schemas.microsoft.com/office/drawing/2014/main" id="{230DFA2E-06C1-41C2-AD8D-14AF627D7679}"/>
-              </a:ext>
-            </a:extLst>
-          </p:cNvPr>
-          <p:cNvPicPr>
-            <a:picLocks noChangeAspect="1"/>
-          </p:cNvPicPr>
+        <p:txBody>
+          <a:bodyPr wrap="none" rtlCol="0">
+            <a:spAutoFit/>
+          </a:bodyPr>
+          <a:lstStyle/>
+          <a:p>
+            <a:r>
+              <a:rPr lang="en-US" b="1" dirty="0"/>
+              <a:t>CLOB</a:t>
+            </a:r>
+            <a:endParaRPr lang="en-IN" b="1" dirty="0"/>
+          </a:p>
+        </p:txBody>
+      </p:sp>
+      <p:sp>
+        <p:nvSpPr>
+          <p:cNvPr id="21" name="TextBox 20">
+            <a:extLst>
+              <a:ext uri="{FF2B5EF4-FFF2-40B4-BE49-F238E27FC236}">
+                <a16:creationId xmlns:a16="http://schemas.microsoft.com/office/drawing/2014/main" id="{2FA11A8A-FDF3-40A3-9EF4-E5FCC1A402A6}"/>
+              </a:ext>
+            </a:extLst>
+          </p:cNvPr>
+          <p:cNvSpPr txBox="1"/>
           <p:nvPr/>
-        </p:nvPicPr>
-        <p:blipFill>
-          <a:blip r:embed="rId4"/>
-          <a:stretch>
-            <a:fillRect/>
-          </a:stretch>
-        </p:blipFill>
+        </p:nvSpPr>
         <p:spPr>
           <a:xfrm>
-            <a:off x="6181448" y="1273290"/>
-            <a:ext cx="5828578" cy="1858648"/>
+            <a:off x="838199" y="3662944"/>
+            <a:ext cx="4409925" cy="1477328"/>
           </a:xfrm>
           <a:prstGeom prst="rect">
             <a:avLst/>
           </a:prstGeom>
-          <a:ln>
-            <a:solidFill>
-              <a:schemeClr val="tx1"/>
-            </a:solidFill>
-          </a:ln>
+          <a:noFill/>
         </p:spPr>
-      </p:pic>
-      <p:pic>
-        <p:nvPicPr>
-          <p:cNvPr id="8" name="Picture 7" descr="Text, application&#10;&#10;Description automatically generated">
-            <a:extLst>
-              <a:ext uri="{FF2B5EF4-FFF2-40B4-BE49-F238E27FC236}">
-                <a16:creationId xmlns:a16="http://schemas.microsoft.com/office/drawing/2014/main" id="{82DF8E3B-79DA-4104-AC27-186336433691}"/>
-              </a:ext>
-            </a:extLst>
-          </p:cNvPr>
-          <p:cNvPicPr>
-            <a:picLocks noChangeAspect="1"/>
-          </p:cNvPicPr>
+        <p:txBody>
+          <a:bodyPr wrap="none" rtlCol="0">
+            <a:spAutoFit/>
+          </a:bodyPr>
+          <a:lstStyle/>
+          <a:p>
+            <a:pPr marL="285750" indent="-285750">
+              <a:buFont typeface="Arial" panose="020B0604020202020204" pitchFamily="34" charset="0"/>
+              <a:buChar char="•"/>
+            </a:pPr>
+            <a:r>
+              <a:rPr lang="en-US" dirty="0"/>
+              <a:t>Stands for Binary Large Objects</a:t>
+            </a:r>
+          </a:p>
+          <a:p>
+            <a:pPr marL="285750" indent="-285750">
+              <a:buFont typeface="Arial" panose="020B0604020202020204" pitchFamily="34" charset="0"/>
+              <a:buChar char="•"/>
+            </a:pPr>
+            <a:r>
+              <a:rPr lang="en-IN" dirty="0"/>
+              <a:t>Datatype used in MySQL is ‘BLOB’</a:t>
+            </a:r>
+          </a:p>
+          <a:p>
+            <a:pPr marL="285750" indent="-285750">
+              <a:buFont typeface="Arial" panose="020B0604020202020204" pitchFamily="34" charset="0"/>
+              <a:buChar char="•"/>
+            </a:pPr>
+            <a:r>
+              <a:rPr lang="en-IN" dirty="0"/>
+              <a:t>BLOB can store </a:t>
+            </a:r>
+            <a:r>
+              <a:rPr lang="en-IN" dirty="0" err="1"/>
+              <a:t>upto</a:t>
+            </a:r>
+            <a:r>
+              <a:rPr lang="en-IN" dirty="0"/>
+              <a:t> 64Kb file</a:t>
+            </a:r>
+          </a:p>
+          <a:p>
+            <a:pPr marL="285750" indent="-285750">
+              <a:buFont typeface="Arial" panose="020B0604020202020204" pitchFamily="34" charset="0"/>
+              <a:buChar char="•"/>
+            </a:pPr>
+            <a:r>
+              <a:rPr lang="en-IN" dirty="0" err="1"/>
+              <a:t>InputStream</a:t>
+            </a:r>
+            <a:r>
+              <a:rPr lang="en-IN" dirty="0"/>
+              <a:t> is used to insert and read file</a:t>
+            </a:r>
+          </a:p>
+          <a:p>
+            <a:pPr marL="285750" indent="-285750">
+              <a:buFont typeface="Arial" panose="020B0604020202020204" pitchFamily="34" charset="0"/>
+              <a:buChar char="•"/>
+            </a:pPr>
+            <a:endParaRPr lang="en-IN" dirty="0"/>
+          </a:p>
+        </p:txBody>
+      </p:sp>
+      <p:sp>
+        <p:nvSpPr>
+          <p:cNvPr id="22" name="TextBox 21">
+            <a:extLst>
+              <a:ext uri="{FF2B5EF4-FFF2-40B4-BE49-F238E27FC236}">
+                <a16:creationId xmlns:a16="http://schemas.microsoft.com/office/drawing/2014/main" id="{01280266-EAAF-492A-BEB4-4414739AF2D1}"/>
+              </a:ext>
+            </a:extLst>
+          </p:cNvPr>
+          <p:cNvSpPr txBox="1"/>
           <p:nvPr/>
-        </p:nvPicPr>
-        <p:blipFill>
-          <a:blip r:embed="rId5"/>
-          <a:stretch>
-            <a:fillRect/>
-          </a:stretch>
-        </p:blipFill>
+        </p:nvSpPr>
         <p:spPr>
           <a:xfrm>
-            <a:off x="220333" y="3226968"/>
-            <a:ext cx="5900758" cy="2824064"/>
+            <a:off x="7033663" y="3662944"/>
+            <a:ext cx="4467890" cy="1200329"/>
           </a:xfrm>
           <a:prstGeom prst="rect">
             <a:avLst/>
           </a:prstGeom>
-          <a:ln>
+          <a:noFill/>
+        </p:spPr>
+        <p:txBody>
+          <a:bodyPr wrap="none" rtlCol="0">
+            <a:spAutoFit/>
+          </a:bodyPr>
+          <a:lstStyle/>
+          <a:p>
+            <a:pPr marL="285750" indent="-285750">
+              <a:buFont typeface="Arial" panose="020B0604020202020204" pitchFamily="34" charset="0"/>
+              <a:buChar char="•"/>
+            </a:pPr>
+            <a:r>
+              <a:rPr lang="en-US" dirty="0"/>
+              <a:t>Stands for Character Large Object</a:t>
+            </a:r>
+          </a:p>
+          <a:p>
+            <a:pPr marL="285750" indent="-285750">
+              <a:buFont typeface="Arial" panose="020B0604020202020204" pitchFamily="34" charset="0"/>
+              <a:buChar char="•"/>
+            </a:pPr>
+            <a:r>
+              <a:rPr lang="en-US" dirty="0"/>
+              <a:t>Datatype used in MySQL is ‘LONGTEXT’</a:t>
+            </a:r>
+          </a:p>
+          <a:p>
+            <a:pPr marL="285750" indent="-285750">
+              <a:buFont typeface="Arial" panose="020B0604020202020204" pitchFamily="34" charset="0"/>
+              <a:buChar char="•"/>
+            </a:pPr>
+            <a:r>
+              <a:rPr lang="en-US" dirty="0"/>
+              <a:t>LONGTXT can store </a:t>
+            </a:r>
+            <a:r>
+              <a:rPr lang="en-US" dirty="0" err="1"/>
+              <a:t>upto</a:t>
+            </a:r>
+            <a:r>
+              <a:rPr lang="en-US" dirty="0"/>
+              <a:t> 4GB of characters</a:t>
+            </a:r>
+          </a:p>
+          <a:p>
+            <a:pPr marL="285750" indent="-285750">
+              <a:buFont typeface="Arial" panose="020B0604020202020204" pitchFamily="34" charset="0"/>
+              <a:buChar char="•"/>
+            </a:pPr>
+            <a:r>
+              <a:rPr lang="en-IN" dirty="0"/>
+              <a:t>Reader is used to insert and read file</a:t>
+            </a:r>
+          </a:p>
+        </p:txBody>
+      </p:sp>
+      <p:cxnSp>
+        <p:nvCxnSpPr>
+          <p:cNvPr id="23" name="Straight Connector 22">
+            <a:extLst>
+              <a:ext uri="{FF2B5EF4-FFF2-40B4-BE49-F238E27FC236}">
+                <a16:creationId xmlns:a16="http://schemas.microsoft.com/office/drawing/2014/main" id="{F6E2C7D3-5825-4D0C-9E7F-59C2D469B7AA}"/>
+              </a:ext>
+            </a:extLst>
+          </p:cNvPr>
+          <p:cNvCxnSpPr>
+            <a:cxnSpLocks/>
+          </p:cNvCxnSpPr>
+          <p:nvPr/>
+        </p:nvCxnSpPr>
+        <p:spPr>
+          <a:xfrm>
+            <a:off x="6305550" y="3244334"/>
+            <a:ext cx="0" cy="1895938"/>
+          </a:xfrm>
+          <a:prstGeom prst="line">
+            <a:avLst/>
+          </a:prstGeom>
+          <a:ln w="25400">
             <a:solidFill>
               <a:schemeClr val="tx1"/>
             </a:solidFill>
-          </a:ln>
-        </p:spPr>
-      </p:pic>
-      <p:pic>
-        <p:nvPicPr>
-          <p:cNvPr id="10" name="Picture 9" descr="Graphical user interface, text, application&#10;&#10;Description automatically generated">
-            <a:extLst>
-              <a:ext uri="{FF2B5EF4-FFF2-40B4-BE49-F238E27FC236}">
-                <a16:creationId xmlns:a16="http://schemas.microsoft.com/office/drawing/2014/main" id="{EB8DC697-A400-4048-93FD-8B902F1EFB9E}"/>
-              </a:ext>
-            </a:extLst>
-          </p:cNvPr>
-          <p:cNvPicPr>
-            <a:picLocks noChangeAspect="1"/>
-          </p:cNvPicPr>
-          <p:nvPr/>
-        </p:nvPicPr>
-        <p:blipFill>
-          <a:blip r:embed="rId6"/>
-          <a:stretch>
-            <a:fillRect/>
-          </a:stretch>
-        </p:blipFill>
-        <p:spPr>
-          <a:xfrm>
-            <a:off x="6190472" y="3226968"/>
-            <a:ext cx="5819554" cy="2824064"/>
-          </a:xfrm>
-          <a:prstGeom prst="rect">
-            <a:avLst/>
-          </a:prstGeom>
-          <a:ln>
-            <a:solidFill>
-              <a:schemeClr val="tx1"/>
-            </a:solidFill>
-          </a:ln>
-        </p:spPr>
-      </p:pic>
-      <p:sp>
-        <p:nvSpPr>
-          <p:cNvPr id="12" name="Rectangle: Rounded Corners 11">
-            <a:extLst>
-              <a:ext uri="{FF2B5EF4-FFF2-40B4-BE49-F238E27FC236}">
-                <a16:creationId xmlns:a16="http://schemas.microsoft.com/office/drawing/2014/main" id="{86AD68EE-903E-441F-B7EA-AA61B4C1CF11}"/>
-              </a:ext>
-            </a:extLst>
-          </p:cNvPr>
-          <p:cNvSpPr/>
-          <p:nvPr/>
-        </p:nvSpPr>
-        <p:spPr>
-          <a:xfrm>
-            <a:off x="536331" y="1433147"/>
-            <a:ext cx="4448907" cy="175846"/>
-          </a:xfrm>
-          <a:prstGeom prst="roundRect">
-            <a:avLst/>
-          </a:prstGeom>
-          <a:noFill/>
-          <a:ln w="25400">
-            <a:solidFill>
-              <a:srgbClr val="FF0000"/>
-            </a:solidFill>
+            <a:headEnd type="none"/>
+            <a:tailEnd type="none"/>
           </a:ln>
         </p:spPr>
         <p:style>
-          <a:lnRef idx="2">
-            <a:schemeClr val="accent1">
-              <a:shade val="50000"/>
-            </a:schemeClr>
+          <a:lnRef idx="1">
+            <a:schemeClr val="accent1"/>
           </a:lnRef>
-          <a:fillRef idx="1">
+          <a:fillRef idx="0">
             <a:schemeClr val="accent1"/>
           </a:fillRef>
           <a:effectRef idx="0">
             <a:schemeClr val="accent1"/>
           </a:effectRef>
           <a:fontRef idx="minor">
-            <a:schemeClr val="lt1"/>
+            <a:schemeClr val="tx1"/>
           </a:fontRef>
         </p:style>
-        <p:txBody>
-          <a:bodyPr rtlCol="0" anchor="ctr"/>
-          <a:lstStyle/>
-          <a:p>
-            <a:pPr algn="ctr"/>
-            <a:endParaRPr lang="en-IN"/>
-          </a:p>
-        </p:txBody>
-      </p:sp>
-      <p:sp>
-        <p:nvSpPr>
-          <p:cNvPr id="13" name="Rectangle: Rounded Corners 12">
-            <a:extLst>
-              <a:ext uri="{FF2B5EF4-FFF2-40B4-BE49-F238E27FC236}">
-                <a16:creationId xmlns:a16="http://schemas.microsoft.com/office/drawing/2014/main" id="{1EB19C4C-EDE9-47BB-BF4A-7B200A73A297}"/>
-              </a:ext>
-            </a:extLst>
-          </p:cNvPr>
-          <p:cNvSpPr/>
+      </p:cxnSp>
+      <p:sp>
+        <p:nvSpPr>
+          <p:cNvPr id="24" name="TextBox 23">
+            <a:extLst>
+              <a:ext uri="{FF2B5EF4-FFF2-40B4-BE49-F238E27FC236}">
+                <a16:creationId xmlns:a16="http://schemas.microsoft.com/office/drawing/2014/main" id="{D1DE4838-8F9B-4A3E-B412-3756A6BF78CA}"/>
+              </a:ext>
+            </a:extLst>
+          </p:cNvPr>
+          <p:cNvSpPr txBox="1"/>
           <p:nvPr/>
         </p:nvSpPr>
         <p:spPr>
           <a:xfrm>
-            <a:off x="6280639" y="1450731"/>
-            <a:ext cx="4448907" cy="175846"/>
+            <a:off x="838199" y="1301051"/>
+            <a:ext cx="10626969" cy="707886"/>
           </a:xfrm>
-          <a:prstGeom prst="roundRect">
+          <a:prstGeom prst="rect">
             <a:avLst/>
           </a:prstGeom>
           <a:noFill/>
-          <a:ln w="25400">
-            <a:solidFill>
-              <a:srgbClr val="FF0000"/>
-            </a:solidFill>
-          </a:ln>
         </p:spPr>
-        <p:style>
-          <a:lnRef idx="2">
-            <a:schemeClr val="accent1">
-              <a:shade val="50000"/>
-            </a:schemeClr>
-          </a:lnRef>
-          <a:fillRef idx="1">
-            <a:schemeClr val="accent1"/>
-          </a:fillRef>
-          <a:effectRef idx="0">
-            <a:schemeClr val="accent1"/>
-          </a:effectRef>
-          <a:fontRef idx="minor">
-            <a:schemeClr val="lt1"/>
-          </a:fontRef>
-        </p:style>
-        <p:txBody>
-          <a:bodyPr rtlCol="0" anchor="ctr"/>
-          <a:lstStyle/>
-          <a:p>
-            <a:pPr algn="ctr"/>
-            <a:endParaRPr lang="en-IN"/>
-          </a:p>
-        </p:txBody>
-      </p:sp>
-      <p:sp>
-        <p:nvSpPr>
-          <p:cNvPr id="14" name="Rectangle: Rounded Corners 13">
-            <a:extLst>
-              <a:ext uri="{FF2B5EF4-FFF2-40B4-BE49-F238E27FC236}">
-                <a16:creationId xmlns:a16="http://schemas.microsoft.com/office/drawing/2014/main" id="{0421F012-8B5D-43AA-8A1F-8F9D9A1013C3}"/>
-              </a:ext>
-            </a:extLst>
-          </p:cNvPr>
-          <p:cNvSpPr/>
-          <p:nvPr/>
-        </p:nvSpPr>
-        <p:spPr>
-          <a:xfrm>
-            <a:off x="451339" y="2368063"/>
-            <a:ext cx="4448907" cy="175846"/>
-          </a:xfrm>
-          <a:prstGeom prst="roundRect">
-            <a:avLst/>
-          </a:prstGeom>
-          <a:noFill/>
-          <a:ln w="25400">
-            <a:solidFill>
-              <a:srgbClr val="FF0000"/>
-            </a:solidFill>
-          </a:ln>
-        </p:spPr>
-        <p:style>
-          <a:lnRef idx="2">
-            <a:schemeClr val="accent1">
-              <a:shade val="50000"/>
-            </a:schemeClr>
-          </a:lnRef>
-          <a:fillRef idx="1">
-            <a:schemeClr val="accent1"/>
-          </a:fillRef>
-          <a:effectRef idx="0">
-            <a:schemeClr val="accent1"/>
-          </a:effectRef>
-          <a:fontRef idx="minor">
-            <a:schemeClr val="lt1"/>
-          </a:fontRef>
-        </p:style>
-        <p:txBody>
-          <a:bodyPr rtlCol="0" anchor="ctr"/>
-          <a:lstStyle/>
-          <a:p>
-            <a:pPr algn="ctr"/>
-            <a:endParaRPr lang="en-IN"/>
-          </a:p>
-        </p:txBody>
-      </p:sp>
-      <p:sp>
-        <p:nvSpPr>
-          <p:cNvPr id="15" name="Rectangle: Rounded Corners 14">
-            <a:extLst>
-              <a:ext uri="{FF2B5EF4-FFF2-40B4-BE49-F238E27FC236}">
-                <a16:creationId xmlns:a16="http://schemas.microsoft.com/office/drawing/2014/main" id="{F7A906DC-2B72-4DC5-9C33-B3CFE2ACBBE4}"/>
-              </a:ext>
-            </a:extLst>
-          </p:cNvPr>
-          <p:cNvSpPr/>
-          <p:nvPr/>
-        </p:nvSpPr>
-        <p:spPr>
-          <a:xfrm>
-            <a:off x="6280638" y="2394439"/>
-            <a:ext cx="4448907" cy="175846"/>
-          </a:xfrm>
-          <a:prstGeom prst="roundRect">
-            <a:avLst/>
-          </a:prstGeom>
-          <a:noFill/>
-          <a:ln w="25400">
-            <a:solidFill>
-              <a:srgbClr val="FF0000"/>
-            </a:solidFill>
-          </a:ln>
-        </p:spPr>
-        <p:style>
-          <a:lnRef idx="2">
-            <a:schemeClr val="accent1">
-              <a:shade val="50000"/>
-            </a:schemeClr>
-          </a:lnRef>
-          <a:fillRef idx="1">
-            <a:schemeClr val="accent1"/>
-          </a:fillRef>
-          <a:effectRef idx="0">
-            <a:schemeClr val="accent1"/>
-          </a:effectRef>
-          <a:fontRef idx="minor">
-            <a:schemeClr val="lt1"/>
-          </a:fontRef>
-        </p:style>
-        <p:txBody>
-          <a:bodyPr rtlCol="0" anchor="ctr"/>
-          <a:lstStyle/>
-          <a:p>
-            <a:pPr algn="ctr"/>
-            <a:endParaRPr lang="en-IN"/>
-          </a:p>
-        </p:txBody>
-      </p:sp>
-      <p:sp>
-        <p:nvSpPr>
-          <p:cNvPr id="16" name="Rectangle: Rounded Corners 15">
-            <a:extLst>
-              <a:ext uri="{FF2B5EF4-FFF2-40B4-BE49-F238E27FC236}">
-                <a16:creationId xmlns:a16="http://schemas.microsoft.com/office/drawing/2014/main" id="{C4C35EE2-89AA-46B3-B745-6A4E7CCB4060}"/>
-              </a:ext>
-            </a:extLst>
-          </p:cNvPr>
-          <p:cNvSpPr/>
-          <p:nvPr/>
-        </p:nvSpPr>
-        <p:spPr>
-          <a:xfrm>
-            <a:off x="685800" y="4299438"/>
-            <a:ext cx="5046785" cy="1195753"/>
-          </a:xfrm>
-          <a:prstGeom prst="roundRect">
-            <a:avLst/>
-          </a:prstGeom>
-          <a:noFill/>
-          <a:ln w="25400">
-            <a:solidFill>
-              <a:srgbClr val="FF0000"/>
-            </a:solidFill>
-          </a:ln>
-        </p:spPr>
-        <p:style>
-          <a:lnRef idx="2">
-            <a:schemeClr val="accent1">
-              <a:shade val="50000"/>
-            </a:schemeClr>
-          </a:lnRef>
-          <a:fillRef idx="1">
-            <a:schemeClr val="accent1"/>
-          </a:fillRef>
-          <a:effectRef idx="0">
-            <a:schemeClr val="accent1"/>
-          </a:effectRef>
-          <a:fontRef idx="minor">
-            <a:schemeClr val="lt1"/>
-          </a:fontRef>
-        </p:style>
-        <p:txBody>
-          <a:bodyPr rtlCol="0" anchor="ctr"/>
-          <a:lstStyle/>
-          <a:p>
-            <a:pPr algn="ctr"/>
-            <a:endParaRPr lang="en-IN"/>
-          </a:p>
-        </p:txBody>
-      </p:sp>
-      <p:sp>
-        <p:nvSpPr>
-          <p:cNvPr id="17" name="Rectangle: Rounded Corners 16">
-            <a:extLst>
-              <a:ext uri="{FF2B5EF4-FFF2-40B4-BE49-F238E27FC236}">
-                <a16:creationId xmlns:a16="http://schemas.microsoft.com/office/drawing/2014/main" id="{68B4E5AE-1CDD-41D3-919F-E7717B0AB3FC}"/>
-              </a:ext>
-            </a:extLst>
-          </p:cNvPr>
-          <p:cNvSpPr/>
-          <p:nvPr/>
-        </p:nvSpPr>
-        <p:spPr>
-          <a:xfrm>
-            <a:off x="6581136" y="4334606"/>
-            <a:ext cx="5046785" cy="1195753"/>
-          </a:xfrm>
-          <a:prstGeom prst="roundRect">
-            <a:avLst/>
-          </a:prstGeom>
-          <a:noFill/>
-          <a:ln w="25400">
-            <a:solidFill>
-              <a:srgbClr val="FF0000"/>
-            </a:solidFill>
-          </a:ln>
-        </p:spPr>
-        <p:style>
-          <a:lnRef idx="2">
-            <a:schemeClr val="accent1">
-              <a:shade val="50000"/>
-            </a:schemeClr>
-          </a:lnRef>
-          <a:fillRef idx="1">
-            <a:schemeClr val="accent1"/>
-          </a:fillRef>
-          <a:effectRef idx="0">
-            <a:schemeClr val="accent1"/>
-          </a:effectRef>
-          <a:fontRef idx="minor">
-            <a:schemeClr val="lt1"/>
-          </a:fontRef>
-        </p:style>
-        <p:txBody>
-          <a:bodyPr rtlCol="0" anchor="ctr"/>
-          <a:lstStyle/>
-          <a:p>
-            <a:pPr algn="ctr"/>
-            <a:endParaRPr lang="en-IN"/>
+        <p:txBody>
+          <a:bodyPr wrap="square" rtlCol="0">
+            <a:spAutoFit/>
+          </a:bodyPr>
+          <a:lstStyle>
+            <a:defPPr>
+              <a:defRPr lang="en-US"/>
+            </a:defPPr>
+            <a:lvl1pPr>
+              <a:lnSpc>
+                <a:spcPct val="150000"/>
+              </a:lnSpc>
+              <a:defRPr sz="2000"/>
+            </a:lvl1pPr>
+          </a:lstStyle>
+          <a:p>
+            <a:pPr marL="342900" indent="-342900">
+              <a:lnSpc>
+                <a:spcPct val="100000"/>
+              </a:lnSpc>
+              <a:buFont typeface="Arial" panose="020B0604020202020204" pitchFamily="34" charset="0"/>
+              <a:buChar char="•"/>
+            </a:pPr>
+            <a:r>
+              <a:rPr lang="en-US" dirty="0"/>
+              <a:t>This are Special Datatypes used to store large object in database</a:t>
+            </a:r>
+          </a:p>
+          <a:p>
+            <a:pPr marL="342900" indent="-342900">
+              <a:lnSpc>
+                <a:spcPct val="100000"/>
+              </a:lnSpc>
+              <a:buFont typeface="Arial" panose="020B0604020202020204" pitchFamily="34" charset="0"/>
+              <a:buChar char="•"/>
+            </a:pPr>
+            <a:endParaRPr lang="en-IN" dirty="0"/>
           </a:p>
         </p:txBody>
       </p:sp>
@@ -8498,6 +9185,81 @@
   <p:clrMapOvr>
     <a:masterClrMapping/>
   </p:clrMapOvr>
+  <p:timing>
+    <p:tnLst>
+      <p:par>
+        <p:cTn id="1" dur="indefinite" restart="never" nodeType="tmRoot">
+          <p:childTnLst>
+            <p:seq concurrent="1" nextAc="seek">
+              <p:cTn id="2" dur="indefinite" nodeType="mainSeq">
+                <p:childTnLst>
+                  <p:par>
+                    <p:cTn id="3" fill="hold">
+                      <p:stCondLst>
+                        <p:cond delay="indefinite"/>
+                      </p:stCondLst>
+                      <p:childTnLst>
+                        <p:par>
+                          <p:cTn id="4" fill="hold">
+                            <p:stCondLst>
+                              <p:cond delay="0"/>
+                            </p:stCondLst>
+                            <p:childTnLst>
+                              <p:par>
+                                <p:cTn id="5" presetID="1" presetClass="entr" presetSubtype="0" fill="hold" nodeType="clickEffect">
+                                  <p:stCondLst>
+                                    <p:cond delay="0"/>
+                                  </p:stCondLst>
+                                  <p:childTnLst>
+                                    <p:set>
+                                      <p:cBhvr>
+                                        <p:cTn id="6" dur="1" fill="hold">
+                                          <p:stCondLst>
+                                            <p:cond delay="0"/>
+                                          </p:stCondLst>
+                                        </p:cTn>
+                                        <p:tgtEl>
+                                          <p:spTgt spid="23"/>
+                                        </p:tgtEl>
+                                        <p:attrNameLst>
+                                          <p:attrName>style.visibility</p:attrName>
+                                        </p:attrNameLst>
+                                      </p:cBhvr>
+                                      <p:to>
+                                        <p:strVal val="visible"/>
+                                      </p:to>
+                                    </p:set>
+                                  </p:childTnLst>
+                                </p:cTn>
+                              </p:par>
+                            </p:childTnLst>
+                          </p:cTn>
+                        </p:par>
+                      </p:childTnLst>
+                    </p:cTn>
+                  </p:par>
+                </p:childTnLst>
+              </p:cTn>
+              <p:prevCondLst>
+                <p:cond evt="onPrev" delay="0">
+                  <p:tgtEl>
+                    <p:sldTgt/>
+                  </p:tgtEl>
+                </p:cond>
+              </p:prevCondLst>
+              <p:nextCondLst>
+                <p:cond evt="onNext" delay="0">
+                  <p:tgtEl>
+                    <p:sldTgt/>
+                  </p:tgtEl>
+                </p:cond>
+              </p:nextCondLst>
+            </p:seq>
+          </p:childTnLst>
+        </p:cTn>
+      </p:par>
+    </p:tnLst>
+  </p:timing>
 </p:sld>
 </file>
 
@@ -8586,7 +9348,7 @@
         <p:spPr>
           <a:xfrm>
             <a:off x="1190624" y="2495550"/>
-            <a:ext cx="2409825" cy="2308324"/>
+            <a:ext cx="2409825" cy="2031325"/>
           </a:xfrm>
           <a:prstGeom prst="rect">
             <a:avLst/>
@@ -8660,16 +9422,6 @@
               <a:t>ResultSet</a:t>
             </a:r>
             <a:endParaRPr lang="en-US" dirty="0"/>
-          </a:p>
-          <a:p>
-            <a:pPr marL="285750" indent="-285750">
-              <a:buFont typeface="Arial" panose="020B0604020202020204" pitchFamily="34" charset="0"/>
-              <a:buChar char="•"/>
-            </a:pPr>
-            <a:r>
-              <a:rPr lang="en-US" dirty="0"/>
-              <a:t>Callable</a:t>
-            </a:r>
           </a:p>
           <a:p>
             <a:pPr marL="285750" indent="-285750">
@@ -8776,6 +9528,97 @@
     <p:extLst>
       <p:ext uri="{BB962C8B-B14F-4D97-AF65-F5344CB8AC3E}">
         <p14:creationId xmlns:p14="http://schemas.microsoft.com/office/powerpoint/2010/main" val="1781360620"/>
+      </p:ext>
+    </p:extLst>
+  </p:cSld>
+  <p:clrMapOvr>
+    <a:masterClrMapping/>
+  </p:clrMapOvr>
+</p:sld>
+</file>
+
+<file path=ppt/slides/slide17.xml><?xml version="1.0" encoding="utf-8"?>
+<p:sld xmlns:a="http://schemas.openxmlformats.org/drawingml/2006/main" xmlns:r="http://schemas.openxmlformats.org/officeDocument/2006/relationships" xmlns:p="http://schemas.openxmlformats.org/presentationml/2006/main">
+  <p:cSld>
+    <p:spTree>
+      <p:nvGrpSpPr>
+        <p:cNvPr id="1" name=""/>
+        <p:cNvGrpSpPr/>
+        <p:nvPr/>
+      </p:nvGrpSpPr>
+      <p:grpSpPr>
+        <a:xfrm>
+          <a:off x="0" y="0"/>
+          <a:ext cx="0" cy="0"/>
+          <a:chOff x="0" y="0"/>
+          <a:chExt cx="0" cy="0"/>
+        </a:xfrm>
+      </p:grpSpPr>
+      <p:sp>
+        <p:nvSpPr>
+          <p:cNvPr id="4" name="Title 1">
+            <a:extLst>
+              <a:ext uri="{FF2B5EF4-FFF2-40B4-BE49-F238E27FC236}">
+                <a16:creationId xmlns:a16="http://schemas.microsoft.com/office/drawing/2014/main" id="{4922194F-4724-4BD6-BDAC-9A4A7C98B704}"/>
+              </a:ext>
+            </a:extLst>
+          </p:cNvPr>
+          <p:cNvSpPr txBox="1">
+            <a:spLocks/>
+          </p:cNvSpPr>
+          <p:nvPr/>
+        </p:nvSpPr>
+        <p:spPr>
+          <a:xfrm>
+            <a:off x="0" y="2426607"/>
+            <a:ext cx="12192000" cy="2004786"/>
+          </a:xfrm>
+          <a:prstGeom prst="rect">
+            <a:avLst/>
+          </a:prstGeom>
+        </p:spPr>
+        <p:txBody>
+          <a:bodyPr/>
+          <a:lstStyle>
+            <a:lvl1pPr algn="l" defTabSz="914400" rtl="0" eaLnBrk="1" latinLnBrk="0" hangingPunct="1">
+              <a:lnSpc>
+                <a:spcPct val="90000"/>
+              </a:lnSpc>
+              <a:spcBef>
+                <a:spcPct val="0"/>
+              </a:spcBef>
+              <a:buNone/>
+              <a:defRPr sz="4400" kern="1200">
+                <a:solidFill>
+                  <a:schemeClr val="tx1"/>
+                </a:solidFill>
+                <a:latin typeface="+mj-lt"/>
+                <a:ea typeface="+mj-ea"/>
+                <a:cs typeface="+mj-cs"/>
+              </a:defRPr>
+            </a:lvl1pPr>
+          </a:lstStyle>
+          <a:p>
+            <a:pPr algn="ctr"/>
+            <a:r>
+              <a:rPr lang="en-US" dirty="0"/>
+              <a:t>Thankyou</a:t>
+            </a:r>
+          </a:p>
+          <a:p>
+            <a:pPr algn="ctr"/>
+            <a:r>
+              <a:rPr lang="en-US" sz="3200" dirty="0"/>
+              <a:t>Any Questions?</a:t>
+            </a:r>
+            <a:endParaRPr lang="en-IN" sz="3200" dirty="0"/>
+          </a:p>
+        </p:txBody>
+      </p:sp>
+    </p:spTree>
+    <p:extLst>
+      <p:ext uri="{BB962C8B-B14F-4D97-AF65-F5344CB8AC3E}">
+        <p14:creationId xmlns:p14="http://schemas.microsoft.com/office/powerpoint/2010/main" val="1746192737"/>
       </p:ext>
     </p:extLst>
   </p:cSld>
@@ -8870,7 +9713,7 @@
         <p:spPr>
           <a:xfrm>
             <a:off x="838200" y="1971675"/>
-            <a:ext cx="6459717" cy="2585323"/>
+            <a:ext cx="7123617" cy="4112023"/>
           </a:xfrm>
           <a:prstGeom prst="rect">
             <a:avLst/>
@@ -8884,81 +9727,105 @@
           <a:lstStyle/>
           <a:p>
             <a:pPr marL="285750" indent="-285750">
+              <a:lnSpc>
+                <a:spcPct val="150000"/>
+              </a:lnSpc>
               <a:buFont typeface="Arial" panose="020B0604020202020204" pitchFamily="34" charset="0"/>
               <a:buChar char="•"/>
             </a:pPr>
             <a:r>
-              <a:rPr lang="en-US" dirty="0"/>
+              <a:rPr lang="en-US" sz="2000" dirty="0"/>
               <a:t>Introduction on JDBC</a:t>
             </a:r>
           </a:p>
           <a:p>
             <a:pPr marL="285750" indent="-285750">
+              <a:lnSpc>
+                <a:spcPct val="150000"/>
+              </a:lnSpc>
               <a:buFont typeface="Arial" panose="020B0604020202020204" pitchFamily="34" charset="0"/>
               <a:buChar char="•"/>
             </a:pPr>
             <a:r>
-              <a:rPr lang="en-US" dirty="0"/>
+              <a:rPr lang="en-US" sz="2000" dirty="0"/>
               <a:t>Basics steps to be followed in any JDBC program</a:t>
             </a:r>
           </a:p>
           <a:p>
             <a:pPr marL="285750" indent="-285750">
+              <a:lnSpc>
+                <a:spcPct val="150000"/>
+              </a:lnSpc>
               <a:buFont typeface="Arial" panose="020B0604020202020204" pitchFamily="34" charset="0"/>
               <a:buChar char="•"/>
             </a:pPr>
             <a:r>
-              <a:rPr lang="en-US" dirty="0"/>
+              <a:rPr lang="en-US" sz="2000" dirty="0"/>
               <a:t>Difference between Statement and </a:t>
             </a:r>
             <a:r>
-              <a:rPr lang="en-US" dirty="0" err="1"/>
+              <a:rPr lang="en-US" sz="2000" i="1" dirty="0" err="1"/>
               <a:t>PreparedStatement</a:t>
             </a:r>
-            <a:endParaRPr lang="en-US" dirty="0"/>
+            <a:endParaRPr lang="en-US" sz="2000" i="1" dirty="0"/>
           </a:p>
           <a:p>
             <a:pPr marL="285750" indent="-285750">
+              <a:lnSpc>
+                <a:spcPct val="150000"/>
+              </a:lnSpc>
               <a:buFont typeface="Arial" panose="020B0604020202020204" pitchFamily="34" charset="0"/>
               <a:buChar char="•"/>
             </a:pPr>
             <a:r>
-              <a:rPr lang="en-US" dirty="0"/>
+              <a:rPr lang="en-US" sz="2000" dirty="0"/>
               <a:t>Transactions</a:t>
             </a:r>
           </a:p>
           <a:p>
             <a:pPr marL="285750" indent="-285750">
+              <a:lnSpc>
+                <a:spcPct val="150000"/>
+              </a:lnSpc>
               <a:buFont typeface="Arial" panose="020B0604020202020204" pitchFamily="34" charset="0"/>
               <a:buChar char="•"/>
             </a:pPr>
             <a:r>
-              <a:rPr lang="en-US" dirty="0"/>
+              <a:rPr lang="en-US" sz="2000" dirty="0"/>
               <a:t>Metadata</a:t>
             </a:r>
           </a:p>
           <a:p>
             <a:pPr marL="285750" indent="-285750">
+              <a:lnSpc>
+                <a:spcPct val="150000"/>
+              </a:lnSpc>
               <a:buFont typeface="Arial" panose="020B0604020202020204" pitchFamily="34" charset="0"/>
               <a:buChar char="•"/>
             </a:pPr>
             <a:r>
-              <a:rPr lang="en-US" dirty="0"/>
+              <a:rPr lang="en-US" sz="2000" dirty="0"/>
               <a:t>BLOB (Binary Large Objects) and CLOB (Character Large Objects)</a:t>
             </a:r>
           </a:p>
           <a:p>
             <a:pPr marL="285750" indent="-285750">
+              <a:lnSpc>
+                <a:spcPct val="150000"/>
+              </a:lnSpc>
               <a:buFont typeface="Arial" panose="020B0604020202020204" pitchFamily="34" charset="0"/>
               <a:buChar char="•"/>
             </a:pPr>
             <a:r>
-              <a:rPr lang="en-US" dirty="0"/>
+              <a:rPr lang="en-US" sz="2000" dirty="0"/>
               <a:t>Summary and Further Study.</a:t>
             </a:r>
           </a:p>
           <a:p>
             <a:pPr marL="285750" indent="-285750">
+              <a:lnSpc>
+                <a:spcPct val="150000"/>
+              </a:lnSpc>
               <a:buFont typeface="Arial" panose="020B0604020202020204" pitchFamily="34" charset="0"/>
               <a:buChar char="•"/>
             </a:pPr>
@@ -8966,6 +9833,9 @@
           </a:p>
           <a:p>
             <a:pPr marL="285750" indent="-285750">
+              <a:lnSpc>
+                <a:spcPct val="150000"/>
+              </a:lnSpc>
               <a:buFont typeface="Arial" panose="020B0604020202020204" pitchFamily="34" charset="0"/>
               <a:buChar char="•"/>
             </a:pPr>
@@ -9632,10 +10502,63 @@
       </p:grpSpPr>
       <p:sp>
         <p:nvSpPr>
+          <p:cNvPr id="4" name="Title 1">
+            <a:extLst>
+              <a:ext uri="{FF2B5EF4-FFF2-40B4-BE49-F238E27FC236}">
+                <a16:creationId xmlns:a16="http://schemas.microsoft.com/office/drawing/2014/main" id="{4922194F-4724-4BD6-BDAC-9A4A7C98B704}"/>
+              </a:ext>
+            </a:extLst>
+          </p:cNvPr>
+          <p:cNvSpPr txBox="1">
+            <a:spLocks/>
+          </p:cNvSpPr>
+          <p:nvPr/>
+        </p:nvSpPr>
+        <p:spPr>
+          <a:xfrm>
+            <a:off x="838200" y="622300"/>
+            <a:ext cx="10515600" cy="892175"/>
+          </a:xfrm>
+          <a:prstGeom prst="rect">
+            <a:avLst/>
+          </a:prstGeom>
+        </p:spPr>
+        <p:txBody>
+          <a:bodyPr/>
+          <a:lstStyle>
+            <a:lvl1pPr algn="l" defTabSz="914400" rtl="0" eaLnBrk="1" latinLnBrk="0" hangingPunct="1">
+              <a:lnSpc>
+                <a:spcPct val="90000"/>
+              </a:lnSpc>
+              <a:spcBef>
+                <a:spcPct val="0"/>
+              </a:spcBef>
+              <a:buNone/>
+              <a:defRPr sz="4400" kern="1200">
+                <a:solidFill>
+                  <a:schemeClr val="tx1"/>
+                </a:solidFill>
+                <a:latin typeface="+mj-lt"/>
+                <a:ea typeface="+mj-ea"/>
+                <a:cs typeface="+mj-cs"/>
+              </a:defRPr>
+            </a:lvl1pPr>
+          </a:lstStyle>
+          <a:p>
+            <a:r>
+              <a:rPr lang="en-US" dirty="0"/>
+              <a:t>Basic Steps in JDBC</a:t>
+            </a:r>
+            <a:endParaRPr lang="en-IN" dirty="0"/>
+          </a:p>
+        </p:txBody>
+      </p:sp>
+      <p:sp>
+        <p:nvSpPr>
           <p:cNvPr id="2" name="TextBox 1">
             <a:extLst>
               <a:ext uri="{FF2B5EF4-FFF2-40B4-BE49-F238E27FC236}">
-                <a16:creationId xmlns:a16="http://schemas.microsoft.com/office/drawing/2014/main" id="{15B8E1E6-E89C-4686-8715-5180D4EFC86F}"/>
+                <a16:creationId xmlns:a16="http://schemas.microsoft.com/office/drawing/2014/main" id="{A39B29C2-4775-460B-8920-B5DA1368D7B2}"/>
               </a:ext>
             </a:extLst>
           </p:cNvPr>
@@ -9644,8 +10567,8 @@
         </p:nvSpPr>
         <p:spPr>
           <a:xfrm>
-            <a:off x="933451" y="762000"/>
-            <a:ext cx="10334624" cy="2677656"/>
+            <a:off x="838201" y="1971675"/>
+            <a:ext cx="10289344" cy="4265911"/>
           </a:xfrm>
           <a:prstGeom prst="rect">
             <a:avLst/>
@@ -9658,112 +10581,191 @@
           </a:bodyPr>
           <a:lstStyle/>
           <a:p>
-            <a:r>
-              <a:rPr lang="en-US" sz="2400" dirty="0"/>
-              <a:t>Steps to Implement JDBC :</a:t>
-            </a:r>
-          </a:p>
-          <a:p>
             <a:pPr marL="342900" indent="-342900">
-              <a:buAutoNum type="arabicParenR"/>
+              <a:lnSpc>
+                <a:spcPct val="150000"/>
+              </a:lnSpc>
+              <a:buFont typeface="+mj-lt"/>
+              <a:buAutoNum type="arabicPeriod"/>
             </a:pPr>
             <a:r>
-              <a:rPr lang="en-IN" dirty="0"/>
-              <a:t>Import the Package (import </a:t>
-            </a:r>
-            <a:r>
-              <a:rPr lang="en-IN" dirty="0" err="1"/>
-              <a:t>java.sql</a:t>
-            </a:r>
-            <a:r>
-              <a:rPr lang="en-IN" dirty="0"/>
-              <a:t>.*).</a:t>
+              <a:rPr lang="en-IN" sz="2000" dirty="0"/>
+              <a:t>Import the Package</a:t>
             </a:r>
           </a:p>
           <a:p>
             <a:pPr marL="342900" indent="-342900">
-              <a:buAutoNum type="arabicParenR"/>
+              <a:buFont typeface="+mj-lt"/>
+              <a:buAutoNum type="arabicPeriod"/>
             </a:pPr>
             <a:r>
-              <a:rPr lang="en-IN" dirty="0"/>
-              <a:t>Load and Register the driver for the database you want to work with. (automatically handled in JDBC version &gt; 4.0)</a:t>
+              <a:rPr lang="en-IN" sz="2000" dirty="0"/>
+              <a:t>Load and Register the driver for the database you want to work with. </a:t>
+            </a:r>
+            <a:r>
+              <a:rPr lang="en-IN" sz="2000" dirty="0">
+                <a:solidFill>
+                  <a:srgbClr val="0070C0"/>
+                </a:solidFill>
+              </a:rPr>
+              <a:t>(automatically handled in JDBC version &gt; 4.0)</a:t>
             </a:r>
           </a:p>
           <a:p>
             <a:pPr marL="342900" indent="-342900">
-              <a:buAutoNum type="arabicParenR"/>
+              <a:lnSpc>
+                <a:spcPct val="150000"/>
+              </a:lnSpc>
+              <a:buFont typeface="+mj-lt"/>
+              <a:buAutoNum type="arabicPeriod"/>
             </a:pPr>
             <a:r>
-              <a:rPr lang="en-IN" dirty="0"/>
+              <a:rPr lang="en-IN" sz="2000" dirty="0"/>
               <a:t>Establish the connection.</a:t>
             </a:r>
           </a:p>
           <a:p>
             <a:pPr marL="342900" indent="-342900">
-              <a:buAutoNum type="arabicParenR"/>
+              <a:lnSpc>
+                <a:spcPct val="150000"/>
+              </a:lnSpc>
+              <a:buFont typeface="+mj-lt"/>
+              <a:buAutoNum type="arabicPeriod"/>
             </a:pPr>
             <a:r>
-              <a:rPr lang="en-IN" dirty="0"/>
-              <a:t>Create the statement (</a:t>
-            </a:r>
-            <a:r>
-              <a:rPr lang="en-IN" dirty="0" err="1"/>
+              <a:rPr lang="en-IN" sz="2000" dirty="0"/>
+              <a:t>Create the statement </a:t>
+            </a:r>
+            <a:r>
+              <a:rPr lang="en-IN" sz="2000" dirty="0">
+                <a:solidFill>
+                  <a:srgbClr val="0070C0"/>
+                </a:solidFill>
+              </a:rPr>
+              <a:t>(</a:t>
+            </a:r>
+            <a:r>
+              <a:rPr lang="en-IN" sz="2000" dirty="0" err="1">
+                <a:solidFill>
+                  <a:srgbClr val="0070C0"/>
+                </a:solidFill>
+              </a:rPr>
               <a:t>sql</a:t>
             </a:r>
             <a:r>
-              <a:rPr lang="en-IN" dirty="0"/>
-              <a:t> query). </a:t>
+              <a:rPr lang="en-IN" sz="2000" dirty="0">
+                <a:solidFill>
+                  <a:srgbClr val="0070C0"/>
+                </a:solidFill>
+              </a:rPr>
+              <a:t> query)</a:t>
+            </a:r>
+            <a:r>
+              <a:rPr lang="en-IN" sz="2000" dirty="0"/>
+              <a:t>. </a:t>
             </a:r>
           </a:p>
           <a:p>
             <a:pPr marL="342900" indent="-342900">
-              <a:buAutoNum type="arabicParenR"/>
+              <a:lnSpc>
+                <a:spcPct val="150000"/>
+              </a:lnSpc>
+              <a:buFont typeface="+mj-lt"/>
+              <a:buAutoNum type="arabicPeriod"/>
             </a:pPr>
             <a:r>
-              <a:rPr lang="en-IN" dirty="0"/>
+              <a:rPr lang="en-IN" sz="2000" dirty="0"/>
               <a:t>Execute the statement.</a:t>
             </a:r>
           </a:p>
           <a:p>
             <a:pPr marL="342900" indent="-342900">
-              <a:buAutoNum type="arabicParenR"/>
+              <a:lnSpc>
+                <a:spcPct val="150000"/>
+              </a:lnSpc>
+              <a:buFont typeface="+mj-lt"/>
+              <a:buAutoNum type="arabicPeriod"/>
             </a:pPr>
             <a:r>
-              <a:rPr lang="en-IN" dirty="0"/>
+              <a:rPr lang="en-IN" sz="2000" dirty="0"/>
               <a:t>Process the </a:t>
             </a:r>
             <a:r>
-              <a:rPr lang="en-IN" dirty="0" err="1"/>
+              <a:rPr lang="en-IN" sz="2000" i="1" dirty="0" err="1"/>
               <a:t>ResultSet</a:t>
             </a:r>
             <a:r>
-              <a:rPr lang="en-IN" dirty="0"/>
-              <a:t> (</a:t>
-            </a:r>
-            <a:r>
-              <a:rPr lang="en-IN" dirty="0" err="1"/>
+              <a:rPr lang="en-IN" sz="2000" dirty="0"/>
+              <a:t> </a:t>
+            </a:r>
+            <a:r>
+              <a:rPr lang="en-IN" sz="2000" dirty="0">
+                <a:solidFill>
+                  <a:srgbClr val="0070C0"/>
+                </a:solidFill>
+              </a:rPr>
+              <a:t>(</a:t>
+            </a:r>
+            <a:r>
+              <a:rPr lang="en-IN" sz="2000" dirty="0" err="1">
+                <a:solidFill>
+                  <a:srgbClr val="0070C0"/>
+                </a:solidFill>
+              </a:rPr>
               <a:t>incase</a:t>
             </a:r>
             <a:r>
-              <a:rPr lang="en-IN" dirty="0"/>
-              <a:t> of DQL).</a:t>
+              <a:rPr lang="en-IN" sz="2000" dirty="0">
+                <a:solidFill>
+                  <a:srgbClr val="0070C0"/>
+                </a:solidFill>
+              </a:rPr>
+              <a:t> of DQL)</a:t>
+            </a:r>
+            <a:r>
+              <a:rPr lang="en-IN" sz="2000" dirty="0"/>
+              <a:t>.</a:t>
             </a:r>
           </a:p>
           <a:p>
             <a:pPr marL="342900" indent="-342900">
-              <a:buAutoNum type="arabicParenR"/>
+              <a:lnSpc>
+                <a:spcPct val="150000"/>
+              </a:lnSpc>
+              <a:buFont typeface="+mj-lt"/>
+              <a:buAutoNum type="arabicPeriod"/>
             </a:pPr>
             <a:r>
-              <a:rPr lang="en-IN" dirty="0"/>
+              <a:rPr lang="en-IN" sz="2000" dirty="0"/>
               <a:t>Close the connection.</a:t>
             </a:r>
+          </a:p>
+          <a:p>
+            <a:pPr marL="285750" indent="-285750">
+              <a:lnSpc>
+                <a:spcPct val="150000"/>
+              </a:lnSpc>
+              <a:buFont typeface="Arial" panose="020B0604020202020204" pitchFamily="34" charset="0"/>
+              <a:buChar char="•"/>
+            </a:pPr>
+            <a:endParaRPr lang="en-US" dirty="0"/>
+          </a:p>
+          <a:p>
+            <a:pPr marL="285750" indent="-285750">
+              <a:lnSpc>
+                <a:spcPct val="150000"/>
+              </a:lnSpc>
+              <a:buFont typeface="Arial" panose="020B0604020202020204" pitchFamily="34" charset="0"/>
+              <a:buChar char="•"/>
+            </a:pPr>
+            <a:endParaRPr lang="en-IN" dirty="0"/>
           </a:p>
         </p:txBody>
       </p:sp>
     </p:spTree>
     <p:extLst>
       <p:ext uri="{BB962C8B-B14F-4D97-AF65-F5344CB8AC3E}">
-        <p14:creationId xmlns:p14="http://schemas.microsoft.com/office/powerpoint/2010/main" val="4092060177"/>
+        <p14:creationId xmlns:p14="http://schemas.microsoft.com/office/powerpoint/2010/main" val="4220002296"/>
       </p:ext>
     </p:extLst>
   </p:cSld>
@@ -9806,7 +10808,7 @@
         </p:nvSpPr>
         <p:spPr>
           <a:xfrm>
-            <a:off x="838200" y="622300"/>
+            <a:off x="838200" y="508691"/>
             <a:ext cx="10515600" cy="892175"/>
           </a:xfrm>
           <a:prstGeom prst="rect">
@@ -9975,76 +10977,218 @@
       </p:grpSpPr>
       <p:sp>
         <p:nvSpPr>
-          <p:cNvPr id="2" name="TextBox 1">
-            <a:extLst>
-              <a:ext uri="{FF2B5EF4-FFF2-40B4-BE49-F238E27FC236}">
-                <a16:creationId xmlns:a16="http://schemas.microsoft.com/office/drawing/2014/main" id="{42688EF6-6496-42CB-951C-24495BA91F72}"/>
-              </a:ext>
-            </a:extLst>
-          </p:cNvPr>
-          <p:cNvSpPr txBox="1"/>
+          <p:cNvPr id="4" name="Title 1">
+            <a:extLst>
+              <a:ext uri="{FF2B5EF4-FFF2-40B4-BE49-F238E27FC236}">
+                <a16:creationId xmlns:a16="http://schemas.microsoft.com/office/drawing/2014/main" id="{E104D569-C793-44CA-A40E-FDA75682A4BF}"/>
+              </a:ext>
+            </a:extLst>
+          </p:cNvPr>
+          <p:cNvSpPr txBox="1">
+            <a:spLocks/>
+          </p:cNvSpPr>
           <p:nvPr/>
         </p:nvSpPr>
         <p:spPr>
           <a:xfrm>
-            <a:off x="809625" y="523875"/>
-            <a:ext cx="10810875" cy="369332"/>
-          </a:xfrm>
-          <a:prstGeom prst="rect">
-            <a:avLst/>
-          </a:prstGeom>
-          <a:noFill/>
-        </p:spPr>
-        <p:txBody>
-          <a:bodyPr wrap="square" rtlCol="0">
-            <a:spAutoFit/>
-          </a:bodyPr>
-          <a:lstStyle/>
-          <a:p>
-            <a:r>
-              <a:rPr lang="en-US" dirty="0"/>
-              <a:t>Step 1 and Step 2</a:t>
-            </a:r>
-            <a:endParaRPr lang="en-IN" dirty="0"/>
-          </a:p>
-        </p:txBody>
-      </p:sp>
-      <p:pic>
-        <p:nvPicPr>
-          <p:cNvPr id="5" name="Picture 4">
-            <a:extLst>
-              <a:ext uri="{FF2B5EF4-FFF2-40B4-BE49-F238E27FC236}">
-                <a16:creationId xmlns:a16="http://schemas.microsoft.com/office/drawing/2014/main" id="{C331D3B4-7BE4-4CD0-95F3-3A78299C1487}"/>
-              </a:ext>
-            </a:extLst>
-          </p:cNvPr>
-          <p:cNvPicPr>
-            <a:picLocks noChangeAspect="1"/>
-          </p:cNvPicPr>
-          <p:nvPr/>
-        </p:nvPicPr>
-        <p:blipFill>
-          <a:blip r:embed="rId3"/>
-          <a:stretch>
-            <a:fillRect/>
-          </a:stretch>
-        </p:blipFill>
-        <p:spPr>
-          <a:xfrm>
-            <a:off x="2291396" y="1055134"/>
-            <a:ext cx="7361558" cy="5433531"/>
+            <a:off x="838200" y="490042"/>
+            <a:ext cx="10515600" cy="892175"/>
           </a:xfrm>
           <a:prstGeom prst="rect">
             <a:avLst/>
           </a:prstGeom>
         </p:spPr>
-      </p:pic>
-      <p:sp>
-        <p:nvSpPr>
-          <p:cNvPr id="6" name="Rectangle: Rounded Corners 5">
-            <a:extLst>
-              <a:ext uri="{FF2B5EF4-FFF2-40B4-BE49-F238E27FC236}">
-                <a16:creationId xmlns:a16="http://schemas.microsoft.com/office/drawing/2014/main" id="{A51D8563-752D-440F-A008-C56CCC48C8B8}"/>
+        <p:txBody>
+          <a:bodyPr/>
+          <a:lstStyle>
+            <a:lvl1pPr algn="l" defTabSz="914400" rtl="0" eaLnBrk="1" latinLnBrk="0" hangingPunct="1">
+              <a:lnSpc>
+                <a:spcPct val="90000"/>
+              </a:lnSpc>
+              <a:spcBef>
+                <a:spcPct val="0"/>
+              </a:spcBef>
+              <a:buNone/>
+              <a:defRPr sz="4400" kern="1200">
+                <a:solidFill>
+                  <a:schemeClr val="tx1"/>
+                </a:solidFill>
+                <a:latin typeface="+mj-lt"/>
+                <a:ea typeface="+mj-ea"/>
+                <a:cs typeface="+mj-cs"/>
+              </a:defRPr>
+            </a:lvl1pPr>
+          </a:lstStyle>
+          <a:p>
+            <a:r>
+              <a:rPr lang="en-US" sz="3600" dirty="0"/>
+              <a:t>Step 1: Package Import &amp; Step 2: Load Driver</a:t>
+            </a:r>
+            <a:endParaRPr lang="en-IN" sz="3600" dirty="0"/>
+          </a:p>
+        </p:txBody>
+      </p:sp>
+      <p:grpSp>
+        <p:nvGrpSpPr>
+          <p:cNvPr id="7" name="Group 6">
+            <a:extLst>
+              <a:ext uri="{FF2B5EF4-FFF2-40B4-BE49-F238E27FC236}">
+                <a16:creationId xmlns:a16="http://schemas.microsoft.com/office/drawing/2014/main" id="{3698ADBC-2151-454E-BB6C-FE6544212576}"/>
+              </a:ext>
+            </a:extLst>
+          </p:cNvPr>
+          <p:cNvGrpSpPr/>
+          <p:nvPr/>
+        </p:nvGrpSpPr>
+        <p:grpSpPr>
+          <a:xfrm>
+            <a:off x="2085975" y="1340885"/>
+            <a:ext cx="7566979" cy="5517115"/>
+            <a:chOff x="2085975" y="971550"/>
+            <a:chExt cx="7566979" cy="5517115"/>
+          </a:xfrm>
+        </p:grpSpPr>
+        <p:pic>
+          <p:nvPicPr>
+            <p:cNvPr id="10" name="Picture 9">
+              <a:extLst>
+                <a:ext uri="{FF2B5EF4-FFF2-40B4-BE49-F238E27FC236}">
+                  <a16:creationId xmlns:a16="http://schemas.microsoft.com/office/drawing/2014/main" id="{179B7689-8200-4E75-AB32-5F999244BFF8}"/>
+                </a:ext>
+              </a:extLst>
+            </p:cNvPr>
+            <p:cNvPicPr>
+              <a:picLocks noChangeAspect="1"/>
+            </p:cNvPicPr>
+            <p:nvPr/>
+          </p:nvPicPr>
+          <p:blipFill>
+            <a:blip r:embed="rId3"/>
+            <a:stretch>
+              <a:fillRect/>
+            </a:stretch>
+          </p:blipFill>
+          <p:spPr>
+            <a:xfrm>
+              <a:off x="2291396" y="1055134"/>
+              <a:ext cx="7361558" cy="5433531"/>
+            </a:xfrm>
+            <a:prstGeom prst="rect">
+              <a:avLst/>
+            </a:prstGeom>
+          </p:spPr>
+        </p:pic>
+        <p:sp>
+          <p:nvSpPr>
+            <p:cNvPr id="11" name="Rectangle: Rounded Corners 10">
+              <a:extLst>
+                <a:ext uri="{FF2B5EF4-FFF2-40B4-BE49-F238E27FC236}">
+                  <a16:creationId xmlns:a16="http://schemas.microsoft.com/office/drawing/2014/main" id="{1D77900D-0C42-4185-BD64-6CCC68872CDC}"/>
+                </a:ext>
+              </a:extLst>
+            </p:cNvPr>
+            <p:cNvSpPr/>
+            <p:nvPr/>
+          </p:nvSpPr>
+          <p:spPr>
+            <a:xfrm>
+              <a:off x="2085975" y="971550"/>
+              <a:ext cx="1790700" cy="369332"/>
+            </a:xfrm>
+            <a:prstGeom prst="roundRect">
+              <a:avLst/>
+            </a:prstGeom>
+            <a:noFill/>
+            <a:ln w="25400">
+              <a:solidFill>
+                <a:srgbClr val="FF0000"/>
+              </a:solidFill>
+            </a:ln>
+          </p:spPr>
+          <p:style>
+            <a:lnRef idx="2">
+              <a:schemeClr val="accent1">
+                <a:shade val="50000"/>
+              </a:schemeClr>
+            </a:lnRef>
+            <a:fillRef idx="1">
+              <a:schemeClr val="accent1"/>
+            </a:fillRef>
+            <a:effectRef idx="0">
+              <a:schemeClr val="accent1"/>
+            </a:effectRef>
+            <a:fontRef idx="minor">
+              <a:schemeClr val="lt1"/>
+            </a:fontRef>
+          </p:style>
+          <p:txBody>
+            <a:bodyPr rtlCol="0" anchor="ctr"/>
+            <a:lstStyle/>
+            <a:p>
+              <a:pPr algn="ctr"/>
+              <a:endParaRPr lang="en-IN"/>
+            </a:p>
+          </p:txBody>
+        </p:sp>
+        <p:sp>
+          <p:nvSpPr>
+            <p:cNvPr id="12" name="Rectangle: Rounded Corners 11">
+              <a:extLst>
+                <a:ext uri="{FF2B5EF4-FFF2-40B4-BE49-F238E27FC236}">
+                  <a16:creationId xmlns:a16="http://schemas.microsoft.com/office/drawing/2014/main" id="{8AF81397-2FA7-4E04-B68C-CC4778786FDC}"/>
+                </a:ext>
+              </a:extLst>
+            </p:cNvPr>
+            <p:cNvSpPr/>
+            <p:nvPr/>
+          </p:nvSpPr>
+          <p:spPr>
+            <a:xfrm>
+              <a:off x="2085975" y="2333625"/>
+              <a:ext cx="3657600" cy="369332"/>
+            </a:xfrm>
+            <a:prstGeom prst="roundRect">
+              <a:avLst/>
+            </a:prstGeom>
+            <a:noFill/>
+            <a:ln w="25400">
+              <a:solidFill>
+                <a:srgbClr val="FF0000"/>
+              </a:solidFill>
+            </a:ln>
+          </p:spPr>
+          <p:style>
+            <a:lnRef idx="2">
+              <a:schemeClr val="accent1">
+                <a:shade val="50000"/>
+              </a:schemeClr>
+            </a:lnRef>
+            <a:fillRef idx="1">
+              <a:schemeClr val="accent1"/>
+            </a:fillRef>
+            <a:effectRef idx="0">
+              <a:schemeClr val="accent1"/>
+            </a:effectRef>
+            <a:fontRef idx="minor">
+              <a:schemeClr val="lt1"/>
+            </a:fontRef>
+          </p:style>
+          <p:txBody>
+            <a:bodyPr rtlCol="0" anchor="ctr"/>
+            <a:lstStyle/>
+            <a:p>
+              <a:pPr algn="ctr"/>
+              <a:endParaRPr lang="en-IN"/>
+            </a:p>
+          </p:txBody>
+        </p:sp>
+      </p:grpSp>
+      <p:sp>
+        <p:nvSpPr>
+          <p:cNvPr id="2" name="Speech Bubble: Rectangle 1">
+            <a:extLst>
+              <a:ext uri="{FF2B5EF4-FFF2-40B4-BE49-F238E27FC236}">
+                <a16:creationId xmlns:a16="http://schemas.microsoft.com/office/drawing/2014/main" id="{3B2B98F9-2CCE-43C6-A6CD-AB74BA1AD48A}"/>
               </a:ext>
             </a:extLst>
           </p:cNvPr>
@@ -10053,16 +11197,19 @@
         </p:nvSpPr>
         <p:spPr>
           <a:xfrm>
-            <a:off x="2085975" y="971550"/>
-            <a:ext cx="1790700" cy="369332"/>
+            <a:off x="8088657" y="2286000"/>
+            <a:ext cx="2759452" cy="584666"/>
           </a:xfrm>
-          <a:prstGeom prst="roundRect">
-            <a:avLst/>
+          <a:prstGeom prst="wedgeRectCallout">
+            <a:avLst>
+              <a:gd name="adj1" fmla="val -133150"/>
+              <a:gd name="adj2" fmla="val 54132"/>
+            </a:avLst>
           </a:prstGeom>
           <a:noFill/>
           <a:ln w="25400">
             <a:solidFill>
-              <a:srgbClr val="FF0000"/>
+              <a:srgbClr val="00B0F0"/>
             </a:solidFill>
           </a:ln>
         </p:spPr>
@@ -10087,66 +11234,26 @@
           <a:lstStyle/>
           <a:p>
             <a:pPr algn="ctr"/>
-            <a:endParaRPr lang="en-IN"/>
-          </a:p>
-        </p:txBody>
-      </p:sp>
-      <p:sp>
-        <p:nvSpPr>
-          <p:cNvPr id="7" name="Rectangle: Rounded Corners 6">
-            <a:extLst>
-              <a:ext uri="{FF2B5EF4-FFF2-40B4-BE49-F238E27FC236}">
-                <a16:creationId xmlns:a16="http://schemas.microsoft.com/office/drawing/2014/main" id="{39D259D1-EF1F-4AE2-B113-ADB80EF8F111}"/>
-              </a:ext>
-            </a:extLst>
-          </p:cNvPr>
-          <p:cNvSpPr/>
-          <p:nvPr/>
-        </p:nvSpPr>
-        <p:spPr>
-          <a:xfrm>
-            <a:off x="2085975" y="2333625"/>
-            <a:ext cx="3657600" cy="369332"/>
-          </a:xfrm>
-          <a:prstGeom prst="roundRect">
-            <a:avLst/>
-          </a:prstGeom>
-          <a:noFill/>
-          <a:ln w="25400">
-            <a:solidFill>
-              <a:srgbClr val="FF0000"/>
-            </a:solidFill>
-          </a:ln>
-        </p:spPr>
-        <p:style>
-          <a:lnRef idx="2">
-            <a:schemeClr val="accent1">
-              <a:shade val="50000"/>
-            </a:schemeClr>
-          </a:lnRef>
-          <a:fillRef idx="1">
-            <a:schemeClr val="accent1"/>
-          </a:fillRef>
-          <a:effectRef idx="0">
-            <a:schemeClr val="accent1"/>
-          </a:effectRef>
-          <a:fontRef idx="minor">
-            <a:schemeClr val="lt1"/>
-          </a:fontRef>
-        </p:style>
-        <p:txBody>
-          <a:bodyPr rtlCol="0" anchor="ctr"/>
-          <a:lstStyle/>
-          <a:p>
-            <a:pPr algn="ctr"/>
-            <a:endParaRPr lang="en-IN"/>
+            <a:r>
+              <a:rPr lang="en-US" dirty="0">
+                <a:solidFill>
+                  <a:srgbClr val="00B0F0"/>
+                </a:solidFill>
+              </a:rPr>
+              <a:t>Auto Handled in JDBC version 4.0 and above</a:t>
+            </a:r>
+            <a:endParaRPr lang="en-IN" dirty="0">
+              <a:solidFill>
+                <a:srgbClr val="00B0F0"/>
+              </a:solidFill>
+            </a:endParaRPr>
           </a:p>
         </p:txBody>
       </p:sp>
     </p:spTree>
     <p:extLst>
       <p:ext uri="{BB962C8B-B14F-4D97-AF65-F5344CB8AC3E}">
-        <p14:creationId xmlns:p14="http://schemas.microsoft.com/office/powerpoint/2010/main" val="3653494388"/>
+        <p14:creationId xmlns:p14="http://schemas.microsoft.com/office/powerpoint/2010/main" val="3896256294"/>
       </p:ext>
     </p:extLst>
   </p:cSld>
@@ -10175,10 +11282,10 @@
       </p:grpSpPr>
       <p:sp>
         <p:nvSpPr>
-          <p:cNvPr id="2" name="TextBox 1">
-            <a:extLst>
-              <a:ext uri="{FF2B5EF4-FFF2-40B4-BE49-F238E27FC236}">
-                <a16:creationId xmlns:a16="http://schemas.microsoft.com/office/drawing/2014/main" id="{42688EF6-6496-42CB-951C-24495BA91F72}"/>
+          <p:cNvPr id="4" name="TextBox 3">
+            <a:extLst>
+              <a:ext uri="{FF2B5EF4-FFF2-40B4-BE49-F238E27FC236}">
+                <a16:creationId xmlns:a16="http://schemas.microsoft.com/office/drawing/2014/main" id="{8AE1E25E-3C36-4EAA-A705-70FA30034C1D}"/>
               </a:ext>
             </a:extLst>
           </p:cNvPr>
@@ -10187,8 +11294,8 @@
         </p:nvSpPr>
         <p:spPr>
           <a:xfrm>
-            <a:off x="809625" y="523875"/>
-            <a:ext cx="10810875" cy="369332"/>
+            <a:off x="2773959" y="1382217"/>
+            <a:ext cx="6735498" cy="3378104"/>
           </a:xfrm>
           <a:prstGeom prst="rect">
             <a:avLst/>
@@ -10196,53 +11303,27 @@
           <a:noFill/>
         </p:spPr>
         <p:txBody>
-          <a:bodyPr wrap="square" rtlCol="0">
-            <a:spAutoFit/>
-          </a:bodyPr>
-          <a:lstStyle/>
-          <a:p>
-            <a:r>
-              <a:rPr lang="en-US" dirty="0"/>
-              <a:t>Step 3</a:t>
-            </a:r>
-            <a:endParaRPr lang="en-IN" dirty="0"/>
-          </a:p>
-        </p:txBody>
-      </p:sp>
-      <p:sp>
-        <p:nvSpPr>
-          <p:cNvPr id="4" name="TextBox 3">
-            <a:extLst>
-              <a:ext uri="{FF2B5EF4-FFF2-40B4-BE49-F238E27FC236}">
-                <a16:creationId xmlns:a16="http://schemas.microsoft.com/office/drawing/2014/main" id="{8AE1E25E-3C36-4EAA-A705-70FA30034C1D}"/>
-              </a:ext>
-            </a:extLst>
-          </p:cNvPr>
-          <p:cNvSpPr txBox="1"/>
-          <p:nvPr/>
-        </p:nvSpPr>
-        <p:spPr>
-          <a:xfrm>
-            <a:off x="2773959" y="1375201"/>
-            <a:ext cx="6882205" cy="2554545"/>
-          </a:xfrm>
-          <a:prstGeom prst="rect">
-            <a:avLst/>
-          </a:prstGeom>
-          <a:noFill/>
-        </p:spPr>
-        <p:txBody>
           <a:bodyPr wrap="none" rtlCol="0">
             <a:spAutoFit/>
           </a:bodyPr>
           <a:lstStyle/>
           <a:p>
+            <a:pPr>
+              <a:lnSpc>
+                <a:spcPct val="150000"/>
+              </a:lnSpc>
+            </a:pPr>
             <a:r>
               <a:rPr lang="en-US" sz="1600" dirty="0"/>
               <a:t>Basic Syntax of JDBC URL</a:t>
             </a:r>
           </a:p>
           <a:p>
+            <a:pPr>
+              <a:lnSpc>
+                <a:spcPct val="150000"/>
+              </a:lnSpc>
+            </a:pPr>
             <a:r>
               <a:rPr lang="en-US" sz="1600" dirty="0" err="1">
                 <a:solidFill>
@@ -10293,6 +11374,11 @@
             </a:r>
           </a:p>
           <a:p>
+            <a:pPr>
+              <a:lnSpc>
+                <a:spcPct val="150000"/>
+              </a:lnSpc>
+            </a:pPr>
             <a:endParaRPr lang="en-US" sz="1600" dirty="0">
               <a:solidFill>
                 <a:srgbClr val="0070C0"/>
@@ -10300,12 +11386,22 @@
             </a:endParaRPr>
           </a:p>
           <a:p>
+            <a:pPr>
+              <a:lnSpc>
+                <a:spcPct val="150000"/>
+              </a:lnSpc>
+            </a:pPr>
             <a:r>
               <a:rPr lang="en-US" sz="1600" dirty="0"/>
               <a:t>Example:</a:t>
             </a:r>
           </a:p>
           <a:p>
+            <a:pPr>
+              <a:lnSpc>
+                <a:spcPct val="150000"/>
+              </a:lnSpc>
+            </a:pPr>
             <a:r>
               <a:rPr lang="en-US" sz="1600" dirty="0"/>
               <a:t>MS SQL Server </a:t>
@@ -10328,6 +11424,11 @@
             <a:endParaRPr lang="en-US" sz="1600" dirty="0"/>
           </a:p>
           <a:p>
+            <a:pPr>
+              <a:lnSpc>
+                <a:spcPct val="150000"/>
+              </a:lnSpc>
+            </a:pPr>
             <a:r>
               <a:rPr lang="en-US" sz="1600" dirty="0"/>
               <a:t>Oracle Server </a:t>
@@ -10349,6 +11450,11 @@
             </a:r>
           </a:p>
           <a:p>
+            <a:pPr>
+              <a:lnSpc>
+                <a:spcPct val="150000"/>
+              </a:lnSpc>
+            </a:pPr>
             <a:r>
               <a:rPr lang="en-US" sz="1600" dirty="0"/>
               <a:t>MySQL Server </a:t>
@@ -10379,6 +11485,11 @@
             </a:r>
           </a:p>
           <a:p>
+            <a:pPr>
+              <a:lnSpc>
+                <a:spcPct val="150000"/>
+              </a:lnSpc>
+            </a:pPr>
             <a:endParaRPr lang="en-IN" sz="1600" dirty="0">
               <a:solidFill>
                 <a:srgbClr val="0070C0"/>
@@ -10386,13 +11497,11 @@
             </a:endParaRPr>
           </a:p>
           <a:p>
-            <a:endParaRPr lang="en-IN" sz="1600" dirty="0">
-              <a:solidFill>
-                <a:srgbClr val="0070C0"/>
-              </a:solidFill>
-            </a:endParaRPr>
-          </a:p>
-          <a:p>
+            <a:pPr>
+              <a:lnSpc>
+                <a:spcPct val="150000"/>
+              </a:lnSpc>
+            </a:pPr>
             <a:r>
               <a:rPr lang="en-IN" sz="1600" dirty="0"/>
               <a:t>Exception thrown by </a:t>
@@ -10437,7 +11546,7 @@
         </p:blipFill>
         <p:spPr>
           <a:xfrm>
-            <a:off x="2187510" y="4411740"/>
+            <a:off x="2068448" y="5163238"/>
             <a:ext cx="8055104" cy="1347997"/>
           </a:xfrm>
           <a:prstGeom prst="rect">
@@ -10450,6 +11559,59 @@
           </a:ln>
         </p:spPr>
       </p:pic>
+      <p:sp>
+        <p:nvSpPr>
+          <p:cNvPr id="5" name="Title 1">
+            <a:extLst>
+              <a:ext uri="{FF2B5EF4-FFF2-40B4-BE49-F238E27FC236}">
+                <a16:creationId xmlns:a16="http://schemas.microsoft.com/office/drawing/2014/main" id="{46A8D7ED-6FCC-4531-97B1-40A3E065B348}"/>
+              </a:ext>
+            </a:extLst>
+          </p:cNvPr>
+          <p:cNvSpPr txBox="1">
+            <a:spLocks/>
+          </p:cNvSpPr>
+          <p:nvPr/>
+        </p:nvSpPr>
+        <p:spPr>
+          <a:xfrm>
+            <a:off x="838200" y="490042"/>
+            <a:ext cx="10515600" cy="892175"/>
+          </a:xfrm>
+          <a:prstGeom prst="rect">
+            <a:avLst/>
+          </a:prstGeom>
+        </p:spPr>
+        <p:txBody>
+          <a:bodyPr/>
+          <a:lstStyle>
+            <a:defPPr>
+              <a:defRPr lang="en-US"/>
+            </a:defPPr>
+            <a:lvl1pPr>
+              <a:lnSpc>
+                <a:spcPct val="90000"/>
+              </a:lnSpc>
+              <a:spcBef>
+                <a:spcPct val="0"/>
+              </a:spcBef>
+              <a:buNone/>
+              <a:defRPr sz="3600">
+                <a:latin typeface="+mj-lt"/>
+                <a:ea typeface="+mj-ea"/>
+                <a:cs typeface="+mj-cs"/>
+              </a:defRPr>
+            </a:lvl1pPr>
+          </a:lstStyle>
+          <a:p>
+            <a:r>
+              <a:rPr lang="en-US" dirty="0"/>
+              <a:t>Step 3: Establish the Connection</a:t>
+            </a:r>
+            <a:endParaRPr lang="en-IN" dirty="0"/>
+          </a:p>
+        </p:txBody>
+      </p:sp>
     </p:spTree>
     <p:extLst>
       <p:ext uri="{BB962C8B-B14F-4D97-AF65-F5344CB8AC3E}">
@@ -10482,54 +11644,19 @@
       </p:grpSpPr>
       <p:sp>
         <p:nvSpPr>
-          <p:cNvPr id="2" name="TextBox 1">
-            <a:extLst>
-              <a:ext uri="{FF2B5EF4-FFF2-40B4-BE49-F238E27FC236}">
-                <a16:creationId xmlns:a16="http://schemas.microsoft.com/office/drawing/2014/main" id="{42688EF6-6496-42CB-951C-24495BA91F72}"/>
-              </a:ext>
-            </a:extLst>
-          </p:cNvPr>
-          <p:cNvSpPr txBox="1"/>
+          <p:cNvPr id="5" name="Oval 4">
+            <a:extLst>
+              <a:ext uri="{FF2B5EF4-FFF2-40B4-BE49-F238E27FC236}">
+                <a16:creationId xmlns:a16="http://schemas.microsoft.com/office/drawing/2014/main" id="{2F04874D-6D70-4CB4-89E3-B7C748C1B232}"/>
+              </a:ext>
+            </a:extLst>
+          </p:cNvPr>
+          <p:cNvSpPr/>
           <p:nvPr/>
         </p:nvSpPr>
         <p:spPr>
           <a:xfrm>
-            <a:off x="809625" y="523875"/>
-            <a:ext cx="10810875" cy="369332"/>
-          </a:xfrm>
-          <a:prstGeom prst="rect">
-            <a:avLst/>
-          </a:prstGeom>
-          <a:noFill/>
-        </p:spPr>
-        <p:txBody>
-          <a:bodyPr wrap="square" rtlCol="0">
-            <a:spAutoFit/>
-          </a:bodyPr>
-          <a:lstStyle/>
-          <a:p>
-            <a:r>
-              <a:rPr lang="en-US" dirty="0"/>
-              <a:t>Step 4</a:t>
-            </a:r>
-          </a:p>
-        </p:txBody>
-      </p:sp>
-      <p:sp>
-        <p:nvSpPr>
-          <p:cNvPr id="5" name="Oval 4">
-            <a:extLst>
-              <a:ext uri="{FF2B5EF4-FFF2-40B4-BE49-F238E27FC236}">
-                <a16:creationId xmlns:a16="http://schemas.microsoft.com/office/drawing/2014/main" id="{2F04874D-6D70-4CB4-89E3-B7C748C1B232}"/>
-              </a:ext>
-            </a:extLst>
-          </p:cNvPr>
-          <p:cNvSpPr/>
-          <p:nvPr/>
-        </p:nvSpPr>
-        <p:spPr>
-          <a:xfrm>
-            <a:off x="4832639" y="525697"/>
+            <a:off x="4832639" y="1467807"/>
             <a:ext cx="1819275" cy="899280"/>
           </a:xfrm>
           <a:prstGeom prst="ellipse">
@@ -10587,7 +11714,7 @@
         </p:nvSpPr>
         <p:spPr>
           <a:xfrm>
-            <a:off x="2977136" y="1709192"/>
+            <a:off x="2977136" y="2651302"/>
             <a:ext cx="1285875" cy="725565"/>
           </a:xfrm>
           <a:prstGeom prst="ellipse">
@@ -10645,7 +11772,7 @@
         </p:nvSpPr>
         <p:spPr>
           <a:xfrm>
-            <a:off x="7567813" y="1709192"/>
+            <a:off x="7567813" y="2651302"/>
             <a:ext cx="1647825" cy="725565"/>
           </a:xfrm>
           <a:prstGeom prst="ellipse">
@@ -10707,7 +11834,7 @@
         </p:nvCxnSpPr>
         <p:spPr>
           <a:xfrm flipV="1">
-            <a:off x="4074699" y="1293280"/>
+            <a:off x="4074699" y="2235390"/>
             <a:ext cx="1024367" cy="522169"/>
           </a:xfrm>
           <a:prstGeom prst="line">
@@ -10754,7 +11881,7 @@
         </p:nvCxnSpPr>
         <p:spPr>
           <a:xfrm flipV="1">
-            <a:off x="1891174" y="2328500"/>
+            <a:off x="1891174" y="3270610"/>
             <a:ext cx="1274274" cy="1100500"/>
           </a:xfrm>
           <a:prstGeom prst="line">
@@ -10801,7 +11928,7 @@
         </p:nvCxnSpPr>
         <p:spPr>
           <a:xfrm>
-            <a:off x="4074699" y="2328500"/>
+            <a:off x="4074699" y="3270610"/>
             <a:ext cx="1636204" cy="1116037"/>
           </a:xfrm>
           <a:prstGeom prst="line">
@@ -10848,7 +11975,7 @@
         </p:nvCxnSpPr>
         <p:spPr>
           <a:xfrm>
-            <a:off x="6385487" y="1293280"/>
+            <a:off x="6385487" y="2235390"/>
             <a:ext cx="1423644" cy="522169"/>
           </a:xfrm>
           <a:prstGeom prst="line">
@@ -10895,7 +12022,7 @@
         </p:nvCxnSpPr>
         <p:spPr>
           <a:xfrm>
-            <a:off x="8391726" y="2434757"/>
+            <a:off x="8391726" y="3376867"/>
             <a:ext cx="1225905" cy="1009781"/>
           </a:xfrm>
           <a:prstGeom prst="line">
@@ -10926,35 +12053,6 @@
       </p:cxnSp>
       <p:pic>
         <p:nvPicPr>
-          <p:cNvPr id="30" name="Picture 29">
-            <a:extLst>
-              <a:ext uri="{FF2B5EF4-FFF2-40B4-BE49-F238E27FC236}">
-                <a16:creationId xmlns:a16="http://schemas.microsoft.com/office/drawing/2014/main" id="{5A6CB9AD-59A2-4305-8762-71ADF5E70CFB}"/>
-              </a:ext>
-            </a:extLst>
-          </p:cNvPr>
-          <p:cNvPicPr>
-            <a:picLocks noChangeAspect="1"/>
-          </p:cNvPicPr>
-          <p:nvPr/>
-        </p:nvPicPr>
-        <p:blipFill rotWithShape="1">
-          <a:blip r:embed="rId3"/>
-          <a:srcRect l="7340" t="51794" r="12542" b="34160"/>
-          <a:stretch/>
-        </p:blipFill>
-        <p:spPr>
-          <a:xfrm>
-            <a:off x="1352411" y="4362802"/>
-            <a:ext cx="9800101" cy="1267549"/>
-          </a:xfrm>
-          <a:prstGeom prst="rect">
-            <a:avLst/>
-          </a:prstGeom>
-        </p:spPr>
-      </p:pic>
-      <p:pic>
-        <p:nvPicPr>
           <p:cNvPr id="31" name="Picture 30">
             <a:extLst>
               <a:ext uri="{FF2B5EF4-FFF2-40B4-BE49-F238E27FC236}">
@@ -10974,7 +12072,7 @@
         </p:blipFill>
         <p:spPr>
           <a:xfrm>
-            <a:off x="1188450" y="4362802"/>
+            <a:off x="1219823" y="5431773"/>
             <a:ext cx="9044906" cy="1267549"/>
           </a:xfrm>
           <a:prstGeom prst="rect">
@@ -10996,16 +12094,15 @@
           </p:cNvPicPr>
           <p:nvPr/>
         </p:nvPicPr>
-        <p:blipFill>
+        <p:blipFill rotWithShape="1">
           <a:blip r:embed="rId4"/>
-          <a:stretch>
-            <a:fillRect/>
-          </a:stretch>
+          <a:srcRect t="-1" b="43731"/>
+          <a:stretch/>
         </p:blipFill>
         <p:spPr>
           <a:xfrm>
-            <a:off x="2135309" y="4362802"/>
-            <a:ext cx="6256417" cy="1519861"/>
+            <a:off x="2614067" y="5467377"/>
+            <a:ext cx="6256417" cy="855212"/>
           </a:xfrm>
           <a:prstGeom prst="rect">
             <a:avLst/>
@@ -11026,7 +12123,7 @@
         </p:nvSpPr>
         <p:spPr>
           <a:xfrm>
-            <a:off x="716970" y="3429000"/>
+            <a:off x="716970" y="4371110"/>
             <a:ext cx="2348407" cy="597911"/>
           </a:xfrm>
           <a:prstGeom prst="roundRect">
@@ -11103,7 +12200,7 @@
         </p:nvSpPr>
         <p:spPr>
           <a:xfrm>
-            <a:off x="4105314" y="3444537"/>
+            <a:off x="4105314" y="4386647"/>
             <a:ext cx="3211178" cy="597911"/>
           </a:xfrm>
           <a:prstGeom prst="roundRect">
@@ -11185,7 +12282,7 @@
         </p:nvSpPr>
         <p:spPr>
           <a:xfrm>
-            <a:off x="8311300" y="3444538"/>
+            <a:off x="8311300" y="4386648"/>
             <a:ext cx="2612661" cy="597911"/>
           </a:xfrm>
           <a:prstGeom prst="roundRect">
@@ -11267,7 +12364,7 @@
         </p:nvSpPr>
         <p:spPr>
           <a:xfrm>
-            <a:off x="299105" y="3584520"/>
+            <a:off x="299105" y="4526630"/>
             <a:ext cx="400050" cy="317943"/>
           </a:xfrm>
           <a:prstGeom prst="rightArrow">
@@ -11303,6 +12400,130 @@
           <a:lstStyle/>
           <a:p>
             <a:pPr algn="ctr"/>
+            <a:endParaRPr lang="en-IN" dirty="0"/>
+          </a:p>
+        </p:txBody>
+      </p:sp>
+      <p:sp>
+        <p:nvSpPr>
+          <p:cNvPr id="24" name="Title 1">
+            <a:extLst>
+              <a:ext uri="{FF2B5EF4-FFF2-40B4-BE49-F238E27FC236}">
+                <a16:creationId xmlns:a16="http://schemas.microsoft.com/office/drawing/2014/main" id="{3FF07A0D-C98D-401D-A54C-03015A4DA61B}"/>
+              </a:ext>
+            </a:extLst>
+          </p:cNvPr>
+          <p:cNvSpPr txBox="1">
+            <a:spLocks/>
+          </p:cNvSpPr>
+          <p:nvPr/>
+        </p:nvSpPr>
+        <p:spPr>
+          <a:xfrm>
+            <a:off x="838200" y="490042"/>
+            <a:ext cx="10515600" cy="892175"/>
+          </a:xfrm>
+          <a:prstGeom prst="rect">
+            <a:avLst/>
+          </a:prstGeom>
+        </p:spPr>
+        <p:txBody>
+          <a:bodyPr/>
+          <a:lstStyle>
+            <a:defPPr>
+              <a:defRPr lang="en-US"/>
+            </a:defPPr>
+            <a:lvl1pPr>
+              <a:lnSpc>
+                <a:spcPct val="90000"/>
+              </a:lnSpc>
+              <a:spcBef>
+                <a:spcPct val="0"/>
+              </a:spcBef>
+              <a:buNone/>
+              <a:defRPr sz="3600">
+                <a:latin typeface="+mj-lt"/>
+                <a:ea typeface="+mj-ea"/>
+                <a:cs typeface="+mj-cs"/>
+              </a:defRPr>
+            </a:lvl1pPr>
+          </a:lstStyle>
+          <a:p>
+            <a:r>
+              <a:rPr lang="en-US" dirty="0"/>
+              <a:t>Step 4: Create the Statement</a:t>
+            </a:r>
+            <a:endParaRPr lang="en-IN" dirty="0"/>
+          </a:p>
+        </p:txBody>
+      </p:sp>
+      <p:pic>
+        <p:nvPicPr>
+          <p:cNvPr id="30" name="Picture 29">
+            <a:extLst>
+              <a:ext uri="{FF2B5EF4-FFF2-40B4-BE49-F238E27FC236}">
+                <a16:creationId xmlns:a16="http://schemas.microsoft.com/office/drawing/2014/main" id="{5A6CB9AD-59A2-4305-8762-71ADF5E70CFB}"/>
+              </a:ext>
+            </a:extLst>
+          </p:cNvPr>
+          <p:cNvPicPr>
+            <a:picLocks noChangeAspect="1"/>
+          </p:cNvPicPr>
+          <p:nvPr/>
+        </p:nvPicPr>
+        <p:blipFill rotWithShape="1">
+          <a:blip r:embed="rId3"/>
+          <a:srcRect l="7340" t="51794" r="25292" b="42875"/>
+          <a:stretch/>
+        </p:blipFill>
+        <p:spPr>
+          <a:xfrm>
+            <a:off x="1590675" y="5482152"/>
+            <a:ext cx="8240455" cy="481112"/>
+          </a:xfrm>
+          <a:prstGeom prst="rect">
+            <a:avLst/>
+          </a:prstGeom>
+        </p:spPr>
+      </p:pic>
+      <p:sp>
+        <p:nvSpPr>
+          <p:cNvPr id="2" name="TextBox 1">
+            <a:extLst>
+              <a:ext uri="{FF2B5EF4-FFF2-40B4-BE49-F238E27FC236}">
+                <a16:creationId xmlns:a16="http://schemas.microsoft.com/office/drawing/2014/main" id="{B2C15350-122E-4EDE-9216-0C7B243ED537}"/>
+              </a:ext>
+            </a:extLst>
+          </p:cNvPr>
+          <p:cNvSpPr txBox="1"/>
+          <p:nvPr/>
+        </p:nvSpPr>
+        <p:spPr>
+          <a:xfrm>
+            <a:off x="9466318" y="1594281"/>
+            <a:ext cx="1457643" cy="646331"/>
+          </a:xfrm>
+          <a:prstGeom prst="rect">
+            <a:avLst/>
+          </a:prstGeom>
+          <a:noFill/>
+        </p:spPr>
+        <p:txBody>
+          <a:bodyPr wrap="none" rtlCol="0">
+            <a:spAutoFit/>
+          </a:bodyPr>
+          <a:lstStyle/>
+          <a:p>
+            <a:r>
+              <a:rPr lang="en-IN" sz="1800" dirty="0"/>
+              <a:t>Exception: </a:t>
+            </a:r>
+          </a:p>
+          <a:p>
+            <a:r>
+              <a:rPr lang="en-IN" sz="1800" dirty="0" err="1"/>
+              <a:t>SQLException</a:t>
+            </a:r>
             <a:endParaRPr lang="en-IN" dirty="0"/>
           </a:p>
         </p:txBody>
@@ -11347,7 +12568,7 @@
                                       <p:cBhvr>
                                         <p:cTn id="6" dur="1" fill="hold">
                                           <p:stCondLst>
-                                            <p:cond delay="0"/>
+                                            <p:cond delay="9"/>
                                           </p:stCondLst>
                                         </p:cTn>
                                         <p:tgtEl>
@@ -11374,7 +12595,7 @@
                                       <p:cBhvr>
                                         <p:cTn id="8" dur="1" fill="hold">
                                           <p:stCondLst>
-                                            <p:cond delay="499"/>
+                                            <p:cond delay="249"/>
                                           </p:stCondLst>
                                         </p:cTn>
                                         <p:tgtEl>
@@ -11628,54 +12849,19 @@
       </p:grpSpPr>
       <p:sp>
         <p:nvSpPr>
-          <p:cNvPr id="2" name="TextBox 1">
-            <a:extLst>
-              <a:ext uri="{FF2B5EF4-FFF2-40B4-BE49-F238E27FC236}">
-                <a16:creationId xmlns:a16="http://schemas.microsoft.com/office/drawing/2014/main" id="{42688EF6-6496-42CB-951C-24495BA91F72}"/>
-              </a:ext>
-            </a:extLst>
-          </p:cNvPr>
-          <p:cNvSpPr txBox="1"/>
+          <p:cNvPr id="5" name="Oval 4">
+            <a:extLst>
+              <a:ext uri="{FF2B5EF4-FFF2-40B4-BE49-F238E27FC236}">
+                <a16:creationId xmlns:a16="http://schemas.microsoft.com/office/drawing/2014/main" id="{2F04874D-6D70-4CB4-89E3-B7C748C1B232}"/>
+              </a:ext>
+            </a:extLst>
+          </p:cNvPr>
+          <p:cNvSpPr/>
           <p:nvPr/>
         </p:nvSpPr>
         <p:spPr>
           <a:xfrm>
-            <a:off x="809625" y="523875"/>
-            <a:ext cx="10810875" cy="369332"/>
-          </a:xfrm>
-          <a:prstGeom prst="rect">
-            <a:avLst/>
-          </a:prstGeom>
-          <a:noFill/>
-        </p:spPr>
-        <p:txBody>
-          <a:bodyPr wrap="square" rtlCol="0">
-            <a:spAutoFit/>
-          </a:bodyPr>
-          <a:lstStyle/>
-          <a:p>
-            <a:r>
-              <a:rPr lang="en-US" dirty="0"/>
-              <a:t>Step 5</a:t>
-            </a:r>
-          </a:p>
-        </p:txBody>
-      </p:sp>
-      <p:sp>
-        <p:nvSpPr>
-          <p:cNvPr id="5" name="Oval 4">
-            <a:extLst>
-              <a:ext uri="{FF2B5EF4-FFF2-40B4-BE49-F238E27FC236}">
-                <a16:creationId xmlns:a16="http://schemas.microsoft.com/office/drawing/2014/main" id="{2F04874D-6D70-4CB4-89E3-B7C748C1B232}"/>
-              </a:ext>
-            </a:extLst>
-          </p:cNvPr>
-          <p:cNvSpPr/>
-          <p:nvPr/>
-        </p:nvSpPr>
-        <p:spPr>
-          <a:xfrm>
-            <a:off x="5090690" y="887646"/>
+            <a:off x="5090690" y="1635792"/>
             <a:ext cx="1286422" cy="899280"/>
           </a:xfrm>
           <a:prstGeom prst="ellipse">
@@ -11733,7 +12919,7 @@
         </p:nvSpPr>
         <p:spPr>
           <a:xfrm>
-            <a:off x="2032054" y="1940700"/>
+            <a:off x="2032054" y="2688846"/>
             <a:ext cx="954404" cy="486321"/>
           </a:xfrm>
           <a:prstGeom prst="ellipse">
@@ -11791,7 +12977,7 @@
         </p:nvSpPr>
         <p:spPr>
           <a:xfrm>
-            <a:off x="8706189" y="1901641"/>
+            <a:off x="8706189" y="2649787"/>
             <a:ext cx="954000" cy="486000"/>
           </a:xfrm>
           <a:prstGeom prst="ellipse">
@@ -11853,7 +13039,7 @@
         </p:nvCxnSpPr>
         <p:spPr>
           <a:xfrm flipV="1">
-            <a:off x="2846689" y="1337286"/>
+            <a:off x="2846689" y="2085432"/>
             <a:ext cx="2244001" cy="674634"/>
           </a:xfrm>
           <a:prstGeom prst="line">
@@ -11900,7 +13086,7 @@
         </p:nvCxnSpPr>
         <p:spPr>
           <a:xfrm flipV="1">
-            <a:off x="2509256" y="2427021"/>
+            <a:off x="2509256" y="3175167"/>
             <a:ext cx="0" cy="438210"/>
           </a:xfrm>
           <a:prstGeom prst="line">
@@ -11947,7 +13133,7 @@
         </p:nvCxnSpPr>
         <p:spPr>
           <a:xfrm>
-            <a:off x="6377112" y="1337286"/>
+            <a:off x="6377112" y="2085432"/>
             <a:ext cx="2468787" cy="635528"/>
           </a:xfrm>
           <a:prstGeom prst="line">
@@ -11994,7 +13180,7 @@
         </p:nvCxnSpPr>
         <p:spPr>
           <a:xfrm>
-            <a:off x="9183189" y="2387641"/>
+            <a:off x="9183189" y="3135787"/>
             <a:ext cx="0" cy="477021"/>
           </a:xfrm>
           <a:prstGeom prst="line">
@@ -12037,7 +13223,7 @@
         </p:nvSpPr>
         <p:spPr>
           <a:xfrm>
-            <a:off x="1370858" y="2865231"/>
+            <a:off x="1370858" y="3613377"/>
             <a:ext cx="2276796" cy="597911"/>
           </a:xfrm>
           <a:prstGeom prst="roundRect">
@@ -12122,7 +13308,7 @@
         </p:nvSpPr>
         <p:spPr>
           <a:xfrm>
-            <a:off x="4690776" y="2865232"/>
+            <a:off x="4690776" y="3613378"/>
             <a:ext cx="2086247" cy="597911"/>
           </a:xfrm>
           <a:prstGeom prst="roundRect">
@@ -12207,7 +13393,7 @@
         </p:nvSpPr>
         <p:spPr>
           <a:xfrm>
-            <a:off x="8003178" y="2864662"/>
+            <a:off x="8003178" y="3612808"/>
             <a:ext cx="2360022" cy="597911"/>
           </a:xfrm>
           <a:prstGeom prst="roundRect">
@@ -12288,7 +13474,7 @@
         </p:nvCxnSpPr>
         <p:spPr>
           <a:xfrm flipH="1">
-            <a:off x="5733900" y="1786926"/>
+            <a:off x="5733900" y="2535072"/>
             <a:ext cx="1" cy="1078306"/>
           </a:xfrm>
           <a:prstGeom prst="line">
@@ -12331,8 +13517,431 @@
         </p:nvSpPr>
         <p:spPr>
           <a:xfrm>
-            <a:off x="1370858" y="4399045"/>
-            <a:ext cx="3549534" cy="1754326"/>
+            <a:off x="661827" y="4761999"/>
+            <a:ext cx="4369723" cy="1477328"/>
+          </a:xfrm>
+          <a:prstGeom prst="rect">
+            <a:avLst/>
+          </a:prstGeom>
+          <a:noFill/>
+          <a:ln>
+            <a:solidFill>
+              <a:schemeClr val="tx1"/>
+            </a:solidFill>
+            <a:prstDash val="sysDot"/>
+          </a:ln>
+        </p:spPr>
+        <p:txBody>
+          <a:bodyPr wrap="square" rtlCol="0">
+            <a:spAutoFit/>
+          </a:bodyPr>
+          <a:lstStyle/>
+          <a:p>
+            <a:pPr algn="just"/>
+            <a:r>
+              <a:rPr lang="en-US" dirty="0">
+                <a:solidFill>
+                  <a:srgbClr val="0070C0"/>
+                </a:solidFill>
+              </a:rPr>
+              <a:t>While Using </a:t>
+            </a:r>
+            <a:r>
+              <a:rPr lang="en-US" b="1" dirty="0">
+                <a:solidFill>
+                  <a:srgbClr val="0070C0"/>
+                </a:solidFill>
+              </a:rPr>
+              <a:t>Statement</a:t>
+            </a:r>
+            <a:r>
+              <a:rPr lang="en-US" dirty="0">
+                <a:solidFill>
+                  <a:srgbClr val="0070C0"/>
+                </a:solidFill>
+              </a:rPr>
+              <a:t> Object </a:t>
+            </a:r>
+            <a:r>
+              <a:rPr lang="en-US" u="sng" dirty="0">
+                <a:solidFill>
+                  <a:srgbClr val="0070C0"/>
+                </a:solidFill>
+              </a:rPr>
+              <a:t>pass query </a:t>
+            </a:r>
+            <a:r>
+              <a:rPr lang="en-US" dirty="0">
+                <a:solidFill>
+                  <a:srgbClr val="0070C0"/>
+                </a:solidFill>
+              </a:rPr>
+              <a:t>in </a:t>
+            </a:r>
+            <a:r>
+              <a:rPr lang="en-US" u="sng" dirty="0">
+                <a:solidFill>
+                  <a:srgbClr val="0070C0"/>
+                </a:solidFill>
+              </a:rPr>
+              <a:t>execute Methods</a:t>
+            </a:r>
+          </a:p>
+          <a:p>
+            <a:pPr algn="just"/>
+            <a:endParaRPr lang="en-US" dirty="0">
+              <a:solidFill>
+                <a:srgbClr val="0070C0"/>
+              </a:solidFill>
+            </a:endParaRPr>
+          </a:p>
+          <a:p>
+            <a:pPr algn="just"/>
+            <a:r>
+              <a:rPr lang="en-US" dirty="0" err="1">
+                <a:solidFill>
+                  <a:srgbClr val="0070C0"/>
+                </a:solidFill>
+              </a:rPr>
+              <a:t>Eg</a:t>
+            </a:r>
+            <a:r>
+              <a:rPr lang="en-US" dirty="0">
+                <a:solidFill>
+                  <a:srgbClr val="0070C0"/>
+                </a:solidFill>
+              </a:rPr>
+              <a:t>: Statement </a:t>
+            </a:r>
+            <a:r>
+              <a:rPr lang="en-US" dirty="0" err="1">
+                <a:solidFill>
+                  <a:srgbClr val="0070C0"/>
+                </a:solidFill>
+              </a:rPr>
+              <a:t>st</a:t>
+            </a:r>
+            <a:r>
+              <a:rPr lang="en-US" dirty="0">
+                <a:solidFill>
+                  <a:srgbClr val="0070C0"/>
+                </a:solidFill>
+              </a:rPr>
+              <a:t> = </a:t>
+            </a:r>
+            <a:r>
+              <a:rPr lang="en-US" dirty="0" err="1">
+                <a:solidFill>
+                  <a:srgbClr val="0070C0"/>
+                </a:solidFill>
+              </a:rPr>
+              <a:t>con.createStatement</a:t>
+            </a:r>
+            <a:r>
+              <a:rPr lang="en-US" dirty="0">
+                <a:solidFill>
+                  <a:srgbClr val="0070C0"/>
+                </a:solidFill>
+              </a:rPr>
+              <a:t>()</a:t>
+            </a:r>
+          </a:p>
+          <a:p>
+            <a:pPr algn="just"/>
+            <a:r>
+              <a:rPr lang="en-US" b="1" dirty="0" err="1">
+                <a:solidFill>
+                  <a:srgbClr val="0070C0"/>
+                </a:solidFill>
+              </a:rPr>
+              <a:t>st.execute</a:t>
+            </a:r>
+            <a:r>
+              <a:rPr lang="en-US" b="1" dirty="0">
+                <a:solidFill>
+                  <a:srgbClr val="0070C0"/>
+                </a:solidFill>
+              </a:rPr>
+              <a:t>_____(“query here”);</a:t>
+            </a:r>
+            <a:endParaRPr lang="en-IN" b="1" dirty="0">
+              <a:solidFill>
+                <a:srgbClr val="0070C0"/>
+              </a:solidFill>
+            </a:endParaRPr>
+          </a:p>
+        </p:txBody>
+      </p:sp>
+      <p:sp>
+        <p:nvSpPr>
+          <p:cNvPr id="17" name="TextBox 16">
+            <a:extLst>
+              <a:ext uri="{FF2B5EF4-FFF2-40B4-BE49-F238E27FC236}">
+                <a16:creationId xmlns:a16="http://schemas.microsoft.com/office/drawing/2014/main" id="{93561216-764D-4C4C-802C-3869CF8ABFF5}"/>
+              </a:ext>
+            </a:extLst>
+          </p:cNvPr>
+          <p:cNvSpPr txBox="1"/>
+          <p:nvPr/>
+        </p:nvSpPr>
+        <p:spPr>
+          <a:xfrm>
+            <a:off x="5555673" y="4761999"/>
+            <a:ext cx="6442363" cy="1477328"/>
+          </a:xfrm>
+          <a:prstGeom prst="rect">
+            <a:avLst/>
+          </a:prstGeom>
+          <a:noFill/>
+          <a:ln>
+            <a:solidFill>
+              <a:schemeClr val="tx1"/>
+            </a:solidFill>
+            <a:prstDash val="sysDot"/>
+          </a:ln>
+        </p:spPr>
+        <p:txBody>
+          <a:bodyPr wrap="square" rtlCol="0">
+            <a:spAutoFit/>
+          </a:bodyPr>
+          <a:lstStyle/>
+          <a:p>
+            <a:pPr algn="just"/>
+            <a:r>
+              <a:rPr lang="en-US" dirty="0">
+                <a:solidFill>
+                  <a:srgbClr val="0070C0"/>
+                </a:solidFill>
+              </a:rPr>
+              <a:t>While Using </a:t>
+            </a:r>
+            <a:r>
+              <a:rPr lang="en-US" b="1" dirty="0" err="1">
+                <a:solidFill>
+                  <a:srgbClr val="0070C0"/>
+                </a:solidFill>
+              </a:rPr>
+              <a:t>PreparedStatement</a:t>
+            </a:r>
+            <a:r>
+              <a:rPr lang="en-US" dirty="0">
+                <a:solidFill>
+                  <a:srgbClr val="0070C0"/>
+                </a:solidFill>
+              </a:rPr>
+              <a:t> or </a:t>
+            </a:r>
+            <a:r>
+              <a:rPr lang="en-US" b="1" dirty="0" err="1">
+                <a:solidFill>
+                  <a:srgbClr val="0070C0"/>
+                </a:solidFill>
+              </a:rPr>
+              <a:t>CallableStatement</a:t>
+            </a:r>
+            <a:r>
+              <a:rPr lang="en-US" dirty="0">
+                <a:solidFill>
+                  <a:srgbClr val="0070C0"/>
+                </a:solidFill>
+              </a:rPr>
+              <a:t> Object </a:t>
+            </a:r>
+            <a:r>
+              <a:rPr lang="en-US" u="sng" dirty="0">
+                <a:solidFill>
+                  <a:srgbClr val="0070C0"/>
+                </a:solidFill>
+              </a:rPr>
+              <a:t>pass query </a:t>
+            </a:r>
+            <a:r>
+              <a:rPr lang="en-US" dirty="0">
+                <a:solidFill>
+                  <a:srgbClr val="0070C0"/>
+                </a:solidFill>
+              </a:rPr>
+              <a:t>in </a:t>
+            </a:r>
+            <a:r>
+              <a:rPr lang="en-US" u="sng" dirty="0">
+                <a:solidFill>
+                  <a:srgbClr val="0070C0"/>
+                </a:solidFill>
+              </a:rPr>
+              <a:t>statement creation step</a:t>
+            </a:r>
+          </a:p>
+          <a:p>
+            <a:pPr algn="just"/>
+            <a:endParaRPr lang="en-US" dirty="0">
+              <a:solidFill>
+                <a:srgbClr val="0070C0"/>
+              </a:solidFill>
+            </a:endParaRPr>
+          </a:p>
+          <a:p>
+            <a:pPr algn="just"/>
+            <a:r>
+              <a:rPr lang="en-US" dirty="0" err="1">
+                <a:solidFill>
+                  <a:srgbClr val="0070C0"/>
+                </a:solidFill>
+              </a:rPr>
+              <a:t>Eg</a:t>
+            </a:r>
+            <a:r>
+              <a:rPr lang="en-US" dirty="0">
+                <a:solidFill>
+                  <a:srgbClr val="0070C0"/>
+                </a:solidFill>
+              </a:rPr>
+              <a:t>: </a:t>
+            </a:r>
+            <a:r>
+              <a:rPr lang="en-US" dirty="0" err="1">
+                <a:solidFill>
+                  <a:srgbClr val="0070C0"/>
+                </a:solidFill>
+              </a:rPr>
+              <a:t>PreparedStatement</a:t>
+            </a:r>
+            <a:r>
+              <a:rPr lang="en-US" dirty="0">
+                <a:solidFill>
+                  <a:srgbClr val="0070C0"/>
+                </a:solidFill>
+              </a:rPr>
+              <a:t> </a:t>
+            </a:r>
+            <a:r>
+              <a:rPr lang="en-US" dirty="0" err="1">
+                <a:solidFill>
+                  <a:srgbClr val="0070C0"/>
+                </a:solidFill>
+              </a:rPr>
+              <a:t>st</a:t>
+            </a:r>
+            <a:r>
+              <a:rPr lang="en-US" dirty="0">
+                <a:solidFill>
+                  <a:srgbClr val="0070C0"/>
+                </a:solidFill>
+              </a:rPr>
+              <a:t> = </a:t>
+            </a:r>
+            <a:r>
+              <a:rPr lang="en-US" b="1" dirty="0" err="1">
+                <a:solidFill>
+                  <a:srgbClr val="0070C0"/>
+                </a:solidFill>
+              </a:rPr>
+              <a:t>con.prepareStatement</a:t>
+            </a:r>
+            <a:r>
+              <a:rPr lang="en-US" b="1" dirty="0">
+                <a:solidFill>
+                  <a:srgbClr val="0070C0"/>
+                </a:solidFill>
+              </a:rPr>
+              <a:t>(“query here”)</a:t>
+            </a:r>
+          </a:p>
+          <a:p>
+            <a:pPr algn="just"/>
+            <a:r>
+              <a:rPr lang="en-US" dirty="0" err="1">
+                <a:solidFill>
+                  <a:srgbClr val="0070C0"/>
+                </a:solidFill>
+              </a:rPr>
+              <a:t>st.execute</a:t>
+            </a:r>
+            <a:r>
+              <a:rPr lang="en-US" dirty="0">
+                <a:solidFill>
+                  <a:srgbClr val="0070C0"/>
+                </a:solidFill>
+              </a:rPr>
+              <a:t>_____();</a:t>
+            </a:r>
+            <a:endParaRPr lang="en-IN" dirty="0">
+              <a:solidFill>
+                <a:srgbClr val="0070C0"/>
+              </a:solidFill>
+            </a:endParaRPr>
+          </a:p>
+        </p:txBody>
+      </p:sp>
+      <p:sp>
+        <p:nvSpPr>
+          <p:cNvPr id="20" name="Title 1">
+            <a:extLst>
+              <a:ext uri="{FF2B5EF4-FFF2-40B4-BE49-F238E27FC236}">
+                <a16:creationId xmlns:a16="http://schemas.microsoft.com/office/drawing/2014/main" id="{3550EDAD-4DC5-40F3-A29A-D06F3E2834E1}"/>
+              </a:ext>
+            </a:extLst>
+          </p:cNvPr>
+          <p:cNvSpPr txBox="1">
+            <a:spLocks/>
+          </p:cNvSpPr>
+          <p:nvPr/>
+        </p:nvSpPr>
+        <p:spPr>
+          <a:xfrm>
+            <a:off x="838200" y="490042"/>
+            <a:ext cx="10515600" cy="892175"/>
+          </a:xfrm>
+          <a:prstGeom prst="rect">
+            <a:avLst/>
+          </a:prstGeom>
+        </p:spPr>
+        <p:txBody>
+          <a:bodyPr/>
+          <a:lstStyle>
+            <a:defPPr>
+              <a:defRPr lang="en-US"/>
+            </a:defPPr>
+            <a:lvl1pPr>
+              <a:lnSpc>
+                <a:spcPct val="90000"/>
+              </a:lnSpc>
+              <a:spcBef>
+                <a:spcPct val="0"/>
+              </a:spcBef>
+              <a:buNone/>
+              <a:defRPr sz="3600">
+                <a:latin typeface="+mj-lt"/>
+                <a:ea typeface="+mj-ea"/>
+                <a:cs typeface="+mj-cs"/>
+              </a:defRPr>
+            </a:lvl1pPr>
+          </a:lstStyle>
+          <a:p>
+            <a:r>
+              <a:rPr lang="en-US" dirty="0"/>
+              <a:t>Step 5: Create the Statement</a:t>
+            </a:r>
+            <a:endParaRPr lang="en-IN" dirty="0"/>
+          </a:p>
+        </p:txBody>
+      </p:sp>
+      <p:sp>
+        <p:nvSpPr>
+          <p:cNvPr id="18" name="TextBox 17">
+            <a:extLst>
+              <a:ext uri="{FF2B5EF4-FFF2-40B4-BE49-F238E27FC236}">
+                <a16:creationId xmlns:a16="http://schemas.microsoft.com/office/drawing/2014/main" id="{8C7BA9D2-9CB0-4A96-8398-4014C1D0E581}"/>
+              </a:ext>
+            </a:extLst>
+          </p:cNvPr>
+          <p:cNvSpPr txBox="1"/>
+          <p:nvPr/>
+        </p:nvSpPr>
+        <p:spPr>
+          <a:xfrm>
+            <a:off x="9466318" y="1594281"/>
+            <a:ext cx="2537298" cy="923330"/>
           </a:xfrm>
           <a:prstGeom prst="rect">
             <a:avLst/>
@@ -12340,152 +13949,27 @@
           <a:noFill/>
         </p:spPr>
         <p:txBody>
-          <a:bodyPr wrap="square" rtlCol="0">
+          <a:bodyPr wrap="none" rtlCol="0">
             <a:spAutoFit/>
           </a:bodyPr>
           <a:lstStyle/>
           <a:p>
             <a:r>
-              <a:rPr lang="en-US" dirty="0"/>
-              <a:t>While Using Statement Object pass query in execute Methods</a:t>
-            </a:r>
-          </a:p>
-          <a:p>
-            <a:endParaRPr lang="en-US" dirty="0"/>
-          </a:p>
-          <a:p>
-            <a:r>
-              <a:rPr lang="en-US" dirty="0" err="1"/>
-              <a:t>Eg</a:t>
-            </a:r>
-            <a:r>
-              <a:rPr lang="en-US" dirty="0"/>
-              <a:t>: Statement </a:t>
-            </a:r>
-            <a:r>
-              <a:rPr lang="en-US" dirty="0" err="1"/>
-              <a:t>st</a:t>
-            </a:r>
-            <a:r>
-              <a:rPr lang="en-US" dirty="0"/>
-              <a:t> = </a:t>
-            </a:r>
-            <a:r>
-              <a:rPr lang="en-US" dirty="0" err="1"/>
-              <a:t>con.createStatement</a:t>
-            </a:r>
-            <a:r>
-              <a:rPr lang="en-US" dirty="0"/>
-              <a:t>()</a:t>
-            </a:r>
-          </a:p>
-          <a:p>
-            <a:r>
-              <a:rPr lang="en-US" dirty="0" err="1"/>
-              <a:t>st.execute</a:t>
-            </a:r>
-            <a:r>
-              <a:rPr lang="en-US" dirty="0"/>
-              <a:t>_____(“query here”);</a:t>
-            </a:r>
-            <a:endParaRPr lang="en-IN" dirty="0"/>
-          </a:p>
-        </p:txBody>
-      </p:sp>
-      <p:sp>
-        <p:nvSpPr>
-          <p:cNvPr id="17" name="TextBox 16">
-            <a:extLst>
-              <a:ext uri="{FF2B5EF4-FFF2-40B4-BE49-F238E27FC236}">
-                <a16:creationId xmlns:a16="http://schemas.microsoft.com/office/drawing/2014/main" id="{93561216-764D-4C4C-802C-3869CF8ABFF5}"/>
-              </a:ext>
-            </a:extLst>
-          </p:cNvPr>
-          <p:cNvSpPr txBox="1"/>
-          <p:nvPr/>
-        </p:nvSpPr>
-        <p:spPr>
-          <a:xfrm>
-            <a:off x="6578138" y="4357192"/>
-            <a:ext cx="4369723" cy="2031325"/>
-          </a:xfrm>
-          <a:prstGeom prst="rect">
-            <a:avLst/>
-          </a:prstGeom>
-          <a:noFill/>
-        </p:spPr>
-        <p:txBody>
-          <a:bodyPr wrap="square" rtlCol="0">
-            <a:spAutoFit/>
-          </a:bodyPr>
-          <a:lstStyle/>
-          <a:p>
-            <a:r>
-              <a:rPr lang="en-US" dirty="0"/>
-              <a:t>While Using </a:t>
-            </a:r>
-            <a:r>
-              <a:rPr lang="en-US" dirty="0" err="1"/>
-              <a:t>PreparedStatement</a:t>
-            </a:r>
-            <a:r>
-              <a:rPr lang="en-US" dirty="0"/>
-              <a:t> or </a:t>
-            </a:r>
-            <a:r>
-              <a:rPr lang="en-US" dirty="0" err="1"/>
-              <a:t>CallableStatement</a:t>
-            </a:r>
-            <a:r>
-              <a:rPr lang="en-US" dirty="0"/>
-              <a:t> Object pass query in statement creation step</a:t>
-            </a:r>
-          </a:p>
-          <a:p>
-            <a:endParaRPr lang="en-US" dirty="0"/>
-          </a:p>
-          <a:p>
-            <a:r>
-              <a:rPr lang="en-US" dirty="0" err="1"/>
-              <a:t>Eg</a:t>
-            </a:r>
-            <a:r>
-              <a:rPr lang="en-US" dirty="0"/>
-              <a:t>: </a:t>
-            </a:r>
-            <a:r>
-              <a:rPr lang="en-US" dirty="0" err="1"/>
-              <a:t>PreparedStatement</a:t>
-            </a:r>
-            <a:r>
-              <a:rPr lang="en-US" dirty="0"/>
-              <a:t> </a:t>
-            </a:r>
-            <a:r>
-              <a:rPr lang="en-US" dirty="0" err="1"/>
-              <a:t>st</a:t>
-            </a:r>
-            <a:r>
-              <a:rPr lang="en-US" dirty="0"/>
-              <a:t> = </a:t>
-            </a:r>
-            <a:r>
-              <a:rPr lang="en-US" dirty="0" err="1"/>
-              <a:t>con.prepareStatement</a:t>
-            </a:r>
-            <a:r>
-              <a:rPr lang="en-US" dirty="0"/>
-              <a:t>(“query here”)</a:t>
-            </a:r>
-          </a:p>
-          <a:p>
-            <a:r>
-              <a:rPr lang="en-US" dirty="0" err="1"/>
-              <a:t>st.execute</a:t>
-            </a:r>
-            <a:r>
-              <a:rPr lang="en-US" dirty="0"/>
-              <a:t>_____();</a:t>
+              <a:rPr lang="en-IN" sz="1800" dirty="0"/>
+              <a:t>Exception: </a:t>
+            </a:r>
+          </a:p>
+          <a:p>
+            <a:r>
+              <a:rPr lang="en-IN" sz="1800" dirty="0" err="1"/>
+              <a:t>SQLException</a:t>
+            </a:r>
+            <a:endParaRPr lang="en-IN" sz="1800" dirty="0"/>
+          </a:p>
+          <a:p>
+            <a:r>
+              <a:rPr lang="en-IN" dirty="0" err="1"/>
+              <a:t>SQLSyntaxErrorException</a:t>
             </a:r>
             <a:endParaRPr lang="en-IN" dirty="0"/>
           </a:p>
